--- a/master/Medical Electronics and E-Health/pre/ppt/group27_pre_final.pptx
+++ b/master/Medical Electronics and E-Health/pre/ppt/group27_pre_final.pptx
@@ -6,7 +6,7 @@
     <p:sldMasterId id="2147483663" r:id="rId2"/>
   </p:sldMasterIdLst>
   <p:notesMasterIdLst>
-    <p:notesMasterId r:id="rId30"/>
+    <p:notesMasterId r:id="rId31"/>
   </p:notesMasterIdLst>
   <p:sldIdLst>
     <p:sldId id="259" r:id="rId3"/>
@@ -22,25 +22,26 @@
     <p:sldId id="292" r:id="rId13"/>
     <p:sldId id="293" r:id="rId14"/>
     <p:sldId id="295" r:id="rId15"/>
-    <p:sldId id="283" r:id="rId16"/>
-    <p:sldId id="276" r:id="rId17"/>
-    <p:sldId id="277" r:id="rId18"/>
-    <p:sldId id="296" r:id="rId19"/>
-    <p:sldId id="286" r:id="rId20"/>
-    <p:sldId id="264" r:id="rId21"/>
-    <p:sldId id="297" r:id="rId22"/>
-    <p:sldId id="354" r:id="rId23"/>
-    <p:sldId id="379" r:id="rId24"/>
-    <p:sldId id="380" r:id="rId25"/>
-    <p:sldId id="381" r:id="rId26"/>
-    <p:sldId id="383" r:id="rId27"/>
-    <p:sldId id="389" r:id="rId28"/>
-    <p:sldId id="387" r:id="rId29"/>
+    <p:sldId id="278" r:id="rId16"/>
+    <p:sldId id="283" r:id="rId17"/>
+    <p:sldId id="276" r:id="rId18"/>
+    <p:sldId id="277" r:id="rId19"/>
+    <p:sldId id="296" r:id="rId20"/>
+    <p:sldId id="286" r:id="rId21"/>
+    <p:sldId id="264" r:id="rId22"/>
+    <p:sldId id="297" r:id="rId23"/>
+    <p:sldId id="354" r:id="rId24"/>
+    <p:sldId id="379" r:id="rId25"/>
+    <p:sldId id="380" r:id="rId26"/>
+    <p:sldId id="381" r:id="rId27"/>
+    <p:sldId id="383" r:id="rId28"/>
+    <p:sldId id="389" r:id="rId29"/>
+    <p:sldId id="387" r:id="rId30"/>
   </p:sldIdLst>
   <p:sldSz cx="9144000" cy="5143500" type="screen16x9"/>
   <p:notesSz cx="6858000" cy="9144000"/>
   <p:custDataLst>
-    <p:tags r:id="rId31"/>
+    <p:tags r:id="rId32"/>
   </p:custDataLst>
   <p:defaultTextStyle>
     <a:defPPr>
@@ -743,6 +744,135 @@
           <a:bodyPr/>
           <a:lstStyle/>
           <a:p>
+            <a:r>
+              <a:rPr lang="ja-JP" dirty="0">
+                <a:ea typeface="游ゴシック"/>
+              </a:rPr>
+              <a:t>In pregnant women, changes in estradiol levels may have effects on the mother and fetus. In pregnant women, abnormal estradiol levels usually cause the following symptoms and effects: When it is less than 25pm, estrogen is too low, which may lead to depression or</a:t>
+            </a:r>
+            <a:r>
+              <a:rPr lang="ja-JP" altLang="en-US" dirty="0">
+                <a:ea typeface="游ゴシック"/>
+              </a:rPr>
+              <a:t> </a:t>
+            </a:r>
+            <a:r>
+              <a:rPr lang="en-US" altLang="ja-JP" dirty="0">
+                <a:ea typeface="游ゴシック"/>
+              </a:rPr>
+              <a:t>Fetal growth restriction</a:t>
+            </a:r>
+            <a:r>
+              <a:rPr lang="ja-JP" dirty="0">
+                <a:ea typeface="游ゴシック"/>
+              </a:rPr>
+              <a:t>. When it is greater than 200pm, estrogen is too </a:t>
+            </a:r>
+            <a:r>
+              <a:rPr lang="en-US" altLang="ja-JP" dirty="0">
+                <a:ea typeface="游ゴシック"/>
+              </a:rPr>
+              <a:t>high</a:t>
+            </a:r>
+            <a:r>
+              <a:rPr lang="ja-JP" dirty="0">
+                <a:ea typeface="游ゴシック"/>
+              </a:rPr>
+              <a:t>. If it is too high, it may lead to high blood pressure or premature birth. Therefore, monitoring of estrogen is necessary.</a:t>
+            </a:r>
+            <a:r>
+              <a:rPr lang="ja-JP" altLang="en-US" dirty="0">
+                <a:ea typeface="游ゴシック"/>
+              </a:rPr>
+              <a:t> </a:t>
+            </a:r>
+            <a:endParaRPr lang="ja-JP" dirty="0">
+              <a:ea typeface="游ゴシック"/>
+              <a:cs typeface="Calibri"/>
+            </a:endParaRPr>
+          </a:p>
+        </p:txBody>
+      </p:sp>
+      <p:sp>
+        <p:nvSpPr>
+          <p:cNvPr id="4" name="Slide Number Placeholder 3"/>
+          <p:cNvSpPr>
+            <a:spLocks noGrp="1"/>
+          </p:cNvSpPr>
+          <p:nvPr>
+            <p:ph type="sldNum" sz="quarter" idx="5"/>
+          </p:nvPr>
+        </p:nvSpPr>
+        <p:spPr/>
+        <p:txBody>
+          <a:bodyPr/>
+          <a:lstStyle/>
+          <a:p>
+            <a:fld id="{CD250BD8-5ACA-47E0-A181-55457A697778}" type="slidenum">
+              <a:rPr lang="en-US"/>
+              <a:t>14</a:t>
+            </a:fld>
+            <a:endParaRPr lang="en-US"/>
+          </a:p>
+        </p:txBody>
+      </p:sp>
+    </p:spTree>
+    <p:extLst>
+      <p:ext uri="{BB962C8B-B14F-4D97-AF65-F5344CB8AC3E}">
+        <p14:creationId xmlns:p14="http://schemas.microsoft.com/office/powerpoint/2010/main" val="3380465381"/>
+      </p:ext>
+    </p:extLst>
+  </p:cSld>
+  <p:clrMapOvr>
+    <a:masterClrMapping/>
+  </p:clrMapOvr>
+</p:notes>
+</file>
+
+<file path=ppt/notesSlides/notesSlide11.xml><?xml version="1.0" encoding="utf-8"?>
+<p:notes xmlns:a="http://schemas.openxmlformats.org/drawingml/2006/main" xmlns:r="http://schemas.openxmlformats.org/officeDocument/2006/relationships" xmlns:p="http://schemas.openxmlformats.org/presentationml/2006/main">
+  <p:cSld>
+    <p:spTree>
+      <p:nvGrpSpPr>
+        <p:cNvPr id="1" name=""/>
+        <p:cNvGrpSpPr/>
+        <p:nvPr/>
+      </p:nvGrpSpPr>
+      <p:grpSpPr>
+        <a:xfrm>
+          <a:off x="0" y="0"/>
+          <a:ext cx="0" cy="0"/>
+          <a:chOff x="0" y="0"/>
+          <a:chExt cx="0" cy="0"/>
+        </a:xfrm>
+      </p:grpSpPr>
+      <p:sp>
+        <p:nvSpPr>
+          <p:cNvPr id="2" name="Slide Image Placeholder 1"/>
+          <p:cNvSpPr>
+            <a:spLocks noGrp="1" noRot="1" noChangeAspect="1"/>
+          </p:cNvSpPr>
+          <p:nvPr>
+            <p:ph type="sldImg"/>
+          </p:nvPr>
+        </p:nvSpPr>
+        <p:spPr/>
+      </p:sp>
+      <p:sp>
+        <p:nvSpPr>
+          <p:cNvPr id="3" name="Notes Placeholder 2"/>
+          <p:cNvSpPr>
+            <a:spLocks noGrp="1"/>
+          </p:cNvSpPr>
+          <p:nvPr>
+            <p:ph type="body" idx="1"/>
+          </p:nvPr>
+        </p:nvSpPr>
+        <p:spPr/>
+        <p:txBody>
+          <a:bodyPr/>
+          <a:lstStyle/>
+          <a:p>
             <a:endParaRPr lang="en-GB" dirty="0"/>
           </a:p>
         </p:txBody>
@@ -811,7 +941,7 @@
                 <a:tabLst/>
                 <a:defRPr/>
               </a:pPr>
-              <a:t>20</a:t>
+              <a:t>21</a:t>
             </a:fld>
             <a:endParaRPr kumimoji="0" lang="en-GB" sz="1200" b="0" i="0" u="none" strike="noStrike" kern="1200" cap="none" spc="0" normalizeH="0" baseline="0" noProof="0" dirty="0">
               <a:ln>
@@ -838,7 +968,7 @@
 </p:notes>
 </file>
 
-<file path=ppt/notesSlides/notesSlide11.xml><?xml version="1.0" encoding="utf-8"?>
+<file path=ppt/notesSlides/notesSlide12.xml><?xml version="1.0" encoding="utf-8"?>
 <p:notes xmlns:a="http://schemas.openxmlformats.org/drawingml/2006/main" xmlns:r="http://schemas.openxmlformats.org/officeDocument/2006/relationships" xmlns:p="http://schemas.openxmlformats.org/presentationml/2006/main">
   <p:cSld>
     <p:spTree>
@@ -903,7 +1033,7 @@
           <a:p>
             <a:fld id="{CD250BD8-5ACA-47E0-A181-55457A697778}" type="slidenum">
               <a:rPr lang="en-US" altLang="zh-CN" smtClean="0"/>
-              <a:t>22</a:t>
+              <a:t>23</a:t>
             </a:fld>
             <a:endParaRPr lang="zh-CN" altLang="en-US"/>
           </a:p>
@@ -922,7 +1052,7 @@
 </p:notes>
 </file>
 
-<file path=ppt/notesSlides/notesSlide12.xml><?xml version="1.0" encoding="utf-8"?>
+<file path=ppt/notesSlides/notesSlide13.xml><?xml version="1.0" encoding="utf-8"?>
 <p:notes xmlns:a="http://schemas.openxmlformats.org/drawingml/2006/main" xmlns:r="http://schemas.openxmlformats.org/officeDocument/2006/relationships" xmlns:p="http://schemas.openxmlformats.org/presentationml/2006/main">
   <p:cSld>
     <p:spTree>
@@ -23472,6 +23602,2546 @@
             <a:spLocks noGrp="1"/>
           </p:cNvSpPr>
           <p:nvPr>
+            <p:ph type="body" sz="quarter" idx="11"/>
+          </p:nvPr>
+        </p:nvSpPr>
+        <p:spPr>
+          <a:xfrm>
+            <a:off x="251520" y="556348"/>
+            <a:ext cx="8064896" cy="331148"/>
+          </a:xfrm>
+        </p:spPr>
+        <p:txBody>
+          <a:bodyPr lIns="0" tIns="0" rIns="0" bIns="0" anchor="t"/>
+          <a:lstStyle/>
+          <a:p>
+            <a:r>
+              <a:rPr lang="en-US">
+                <a:solidFill>
+                  <a:srgbClr val="000000"/>
+                </a:solidFill>
+                <a:latin typeface="Calibri"/>
+                <a:ea typeface="Calibri"/>
+                <a:cs typeface="Calibri"/>
+              </a:rPr>
+              <a:t>Adverse reactions</a:t>
+            </a:r>
+            <a:endParaRPr lang="en-US" altLang="ko-KR"/>
+          </a:p>
+        </p:txBody>
+      </p:sp>
+      <p:sp>
+        <p:nvSpPr>
+          <p:cNvPr id="3" name="텍스트 개체 틀 2"/>
+          <p:cNvSpPr>
+            <a:spLocks noGrp="1"/>
+          </p:cNvSpPr>
+          <p:nvPr>
+            <p:ph type="body" sz="quarter" idx="12"/>
+          </p:nvPr>
+        </p:nvSpPr>
+        <p:spPr>
+          <a:xfrm>
+            <a:off x="251520" y="119632"/>
+            <a:ext cx="8064896" cy="431132"/>
+          </a:xfrm>
+        </p:spPr>
+        <p:txBody>
+          <a:bodyPr lIns="0" tIns="0" rIns="0" bIns="0" anchor="t"/>
+          <a:lstStyle/>
+          <a:p>
+            <a:r>
+              <a:rPr lang="en-US">
+                <a:latin typeface="Calibri"/>
+                <a:ea typeface="Calibri"/>
+                <a:cs typeface="Calibri"/>
+              </a:rPr>
+              <a:t>Hormone Level Sensor</a:t>
+            </a:r>
+            <a:endParaRPr lang="en-US" b="0">
+              <a:latin typeface="Calibri"/>
+              <a:ea typeface="Calibri"/>
+              <a:cs typeface="Calibri"/>
+            </a:endParaRPr>
+          </a:p>
+        </p:txBody>
+      </p:sp>
+      <p:sp>
+        <p:nvSpPr>
+          <p:cNvPr id="8" name="양쪽 모서리가 둥근 사각형 9"/>
+          <p:cNvSpPr/>
+          <p:nvPr/>
+        </p:nvSpPr>
+        <p:spPr>
+          <a:xfrm flipH="1" flipV="1">
+            <a:off x="1043608" y="1654009"/>
+            <a:ext cx="984573" cy="3117614"/>
+          </a:xfrm>
+          <a:custGeom>
+            <a:avLst/>
+            <a:gdLst/>
+            <a:ahLst/>
+            <a:cxnLst/>
+            <a:rect l="l" t="t" r="r" b="b"/>
+            <a:pathLst>
+              <a:path w="1137127" h="3600674">
+                <a:moveTo>
+                  <a:pt x="0" y="3443429"/>
+                </a:moveTo>
+                <a:cubicBezTo>
+                  <a:pt x="0" y="3443429"/>
+                  <a:pt x="0" y="3443429"/>
+                  <a:pt x="0" y="3443429"/>
+                </a:cubicBezTo>
+                <a:lnTo>
+                  <a:pt x="0" y="3443428"/>
+                </a:lnTo>
+                <a:close/>
+                <a:moveTo>
+                  <a:pt x="157246" y="3600674"/>
+                </a:moveTo>
+                <a:lnTo>
+                  <a:pt x="979881" y="3600674"/>
+                </a:lnTo>
+                <a:cubicBezTo>
+                  <a:pt x="1066726" y="3600674"/>
+                  <a:pt x="1137127" y="3530273"/>
+                  <a:pt x="1137127" y="3443428"/>
+                </a:cubicBezTo>
+                <a:lnTo>
+                  <a:pt x="1137126" y="3443428"/>
+                </a:lnTo>
+                <a:cubicBezTo>
+                  <a:pt x="1137126" y="3363740"/>
+                  <a:pt x="1077850" y="3297897"/>
+                  <a:pt x="1000611" y="3290368"/>
+                </a:cubicBezTo>
+                <a:lnTo>
+                  <a:pt x="1000611" y="432048"/>
+                </a:lnTo>
+                <a:cubicBezTo>
+                  <a:pt x="1000611" y="193434"/>
+                  <a:pt x="807177" y="0"/>
+                  <a:pt x="568563" y="0"/>
+                </a:cubicBezTo>
+                <a:cubicBezTo>
+                  <a:pt x="329949" y="0"/>
+                  <a:pt x="136515" y="193434"/>
+                  <a:pt x="136515" y="432048"/>
+                </a:cubicBezTo>
+                <a:lnTo>
+                  <a:pt x="136515" y="3290368"/>
+                </a:lnTo>
+                <a:cubicBezTo>
+                  <a:pt x="59276" y="3297897"/>
+                  <a:pt x="0" y="3363740"/>
+                  <a:pt x="0" y="3443429"/>
+                </a:cubicBezTo>
+                <a:cubicBezTo>
+                  <a:pt x="0" y="3530273"/>
+                  <a:pt x="70401" y="3600674"/>
+                  <a:pt x="157246" y="3600674"/>
+                </a:cubicBezTo>
+                <a:close/>
+              </a:path>
+            </a:pathLst>
+          </a:custGeom>
+          <a:solidFill>
+            <a:schemeClr val="bg1">
+              <a:lumMod val="95000"/>
+            </a:schemeClr>
+          </a:solidFill>
+          <a:ln>
+            <a:solidFill>
+              <a:schemeClr val="bg1">
+                <a:lumMod val="65000"/>
+              </a:schemeClr>
+            </a:solidFill>
+          </a:ln>
+        </p:spPr>
+        <p:style>
+          <a:lnRef idx="2">
+            <a:schemeClr val="accent1">
+              <a:shade val="50000"/>
+            </a:schemeClr>
+          </a:lnRef>
+          <a:fillRef idx="1">
+            <a:schemeClr val="accent1"/>
+          </a:fillRef>
+          <a:effectRef idx="0">
+            <a:schemeClr val="accent1"/>
+          </a:effectRef>
+          <a:fontRef idx="minor">
+            <a:schemeClr val="lt1"/>
+          </a:fontRef>
+        </p:style>
+        <p:txBody>
+          <a:bodyPr rtlCol="0" anchor="ctr"/>
+          <a:lstStyle/>
+          <a:p>
+            <a:pPr algn="ctr"/>
+            <a:endParaRPr lang="ko-KR" altLang="en-US" sz="1400">
+              <a:solidFill>
+                <a:schemeClr val="tx1">
+                  <a:lumMod val="85000"/>
+                  <a:lumOff val="15000"/>
+                </a:schemeClr>
+              </a:solidFill>
+            </a:endParaRPr>
+          </a:p>
+        </p:txBody>
+      </p:sp>
+      <p:sp>
+        <p:nvSpPr>
+          <p:cNvPr id="9" name="양쪽 모서리가 둥근 사각형 8"/>
+          <p:cNvSpPr/>
+          <p:nvPr/>
+        </p:nvSpPr>
+        <p:spPr>
+          <a:xfrm flipH="1" flipV="1">
+            <a:off x="1219777" y="4071107"/>
+            <a:ext cx="580333" cy="691514"/>
+          </a:xfrm>
+          <a:prstGeom prst="round2SameRect">
+            <a:avLst>
+              <a:gd name="adj1" fmla="val 50000"/>
+              <a:gd name="adj2" fmla="val 0"/>
+            </a:avLst>
+          </a:prstGeom>
+          <a:solidFill>
+            <a:srgbClr val="48B5B2"/>
+          </a:solidFill>
+          <a:ln>
+            <a:noFill/>
+          </a:ln>
+        </p:spPr>
+        <p:style>
+          <a:lnRef idx="2">
+            <a:schemeClr val="accent1">
+              <a:shade val="50000"/>
+            </a:schemeClr>
+          </a:lnRef>
+          <a:fillRef idx="1">
+            <a:schemeClr val="accent1"/>
+          </a:fillRef>
+          <a:effectRef idx="0">
+            <a:schemeClr val="accent1"/>
+          </a:effectRef>
+          <a:fontRef idx="minor">
+            <a:schemeClr val="lt1"/>
+          </a:fontRef>
+        </p:style>
+        <p:txBody>
+          <a:bodyPr rtlCol="0" anchor="ctr"/>
+          <a:lstStyle/>
+          <a:p>
+            <a:pPr algn="ctr"/>
+            <a:endParaRPr lang="ko-KR" altLang="en-US" sz="1400">
+              <a:solidFill>
+                <a:schemeClr val="tx1">
+                  <a:lumMod val="85000"/>
+                  <a:lumOff val="15000"/>
+                </a:schemeClr>
+              </a:solidFill>
+            </a:endParaRPr>
+          </a:p>
+        </p:txBody>
+      </p:sp>
+      <p:grpSp>
+        <p:nvGrpSpPr>
+          <p:cNvPr id="10" name="그룹 9"/>
+          <p:cNvGrpSpPr/>
+          <p:nvPr/>
+        </p:nvGrpSpPr>
+        <p:grpSpPr>
+          <a:xfrm flipH="1">
+            <a:off x="1673826" y="2167586"/>
+            <a:ext cx="237415" cy="2213633"/>
+            <a:chOff x="1404969" y="2714017"/>
+            <a:chExt cx="274202" cy="2464677"/>
+          </a:xfrm>
+        </p:grpSpPr>
+        <p:cxnSp>
+          <p:nvCxnSpPr>
+            <p:cNvPr id="11" name="직선 연결선 10"/>
+            <p:cNvCxnSpPr/>
+            <p:nvPr/>
+          </p:nvCxnSpPr>
+          <p:spPr>
+            <a:xfrm>
+              <a:off x="1404969" y="2714017"/>
+              <a:ext cx="274202" cy="0"/>
+            </a:xfrm>
+            <a:prstGeom prst="line">
+              <a:avLst/>
+            </a:prstGeom>
+            <a:ln w="28575" cap="rnd">
+              <a:solidFill>
+                <a:schemeClr val="tx1">
+                  <a:lumMod val="75000"/>
+                  <a:lumOff val="25000"/>
+                </a:schemeClr>
+              </a:solidFill>
+            </a:ln>
+          </p:spPr>
+          <p:style>
+            <a:lnRef idx="1">
+              <a:schemeClr val="accent1"/>
+            </a:lnRef>
+            <a:fillRef idx="0">
+              <a:schemeClr val="accent1"/>
+            </a:fillRef>
+            <a:effectRef idx="0">
+              <a:schemeClr val="accent1"/>
+            </a:effectRef>
+            <a:fontRef idx="minor">
+              <a:schemeClr val="tx1"/>
+            </a:fontRef>
+          </p:style>
+        </p:cxnSp>
+        <p:cxnSp>
+          <p:nvCxnSpPr>
+            <p:cNvPr id="12" name="직선 연결선 11"/>
+            <p:cNvCxnSpPr/>
+            <p:nvPr/>
+          </p:nvCxnSpPr>
+          <p:spPr>
+            <a:xfrm>
+              <a:off x="1404969" y="3946357"/>
+              <a:ext cx="274202" cy="0"/>
+            </a:xfrm>
+            <a:prstGeom prst="line">
+              <a:avLst/>
+            </a:prstGeom>
+            <a:ln w="28575" cap="rnd">
+              <a:solidFill>
+                <a:schemeClr val="tx1">
+                  <a:lumMod val="75000"/>
+                  <a:lumOff val="25000"/>
+                </a:schemeClr>
+              </a:solidFill>
+            </a:ln>
+          </p:spPr>
+          <p:style>
+            <a:lnRef idx="1">
+              <a:schemeClr val="accent1"/>
+            </a:lnRef>
+            <a:fillRef idx="0">
+              <a:schemeClr val="accent1"/>
+            </a:fillRef>
+            <a:effectRef idx="0">
+              <a:schemeClr val="accent1"/>
+            </a:effectRef>
+            <a:fontRef idx="minor">
+              <a:schemeClr val="tx1"/>
+            </a:fontRef>
+          </p:style>
+        </p:cxnSp>
+        <p:cxnSp>
+          <p:nvCxnSpPr>
+            <p:cNvPr id="13" name="직선 연결선 12"/>
+            <p:cNvCxnSpPr/>
+            <p:nvPr/>
+          </p:nvCxnSpPr>
+          <p:spPr>
+            <a:xfrm>
+              <a:off x="1404969" y="2960485"/>
+              <a:ext cx="130114" cy="0"/>
+            </a:xfrm>
+            <a:prstGeom prst="line">
+              <a:avLst/>
+            </a:prstGeom>
+            <a:ln w="28575" cap="rnd">
+              <a:solidFill>
+                <a:schemeClr val="tx1">
+                  <a:lumMod val="75000"/>
+                  <a:lumOff val="25000"/>
+                </a:schemeClr>
+              </a:solidFill>
+            </a:ln>
+          </p:spPr>
+          <p:style>
+            <a:lnRef idx="1">
+              <a:schemeClr val="accent1"/>
+            </a:lnRef>
+            <a:fillRef idx="0">
+              <a:schemeClr val="accent1"/>
+            </a:fillRef>
+            <a:effectRef idx="0">
+              <a:schemeClr val="accent1"/>
+            </a:effectRef>
+            <a:fontRef idx="minor">
+              <a:schemeClr val="tx1"/>
+            </a:fontRef>
+          </p:style>
+        </p:cxnSp>
+        <p:cxnSp>
+          <p:nvCxnSpPr>
+            <p:cNvPr id="14" name="직선 연결선 13"/>
+            <p:cNvCxnSpPr/>
+            <p:nvPr/>
+          </p:nvCxnSpPr>
+          <p:spPr>
+            <a:xfrm>
+              <a:off x="1404969" y="3206953"/>
+              <a:ext cx="130114" cy="0"/>
+            </a:xfrm>
+            <a:prstGeom prst="line">
+              <a:avLst/>
+            </a:prstGeom>
+            <a:ln w="28575" cap="rnd">
+              <a:solidFill>
+                <a:schemeClr val="tx1">
+                  <a:lumMod val="75000"/>
+                  <a:lumOff val="25000"/>
+                </a:schemeClr>
+              </a:solidFill>
+            </a:ln>
+          </p:spPr>
+          <p:style>
+            <a:lnRef idx="1">
+              <a:schemeClr val="accent1"/>
+            </a:lnRef>
+            <a:fillRef idx="0">
+              <a:schemeClr val="accent1"/>
+            </a:fillRef>
+            <a:effectRef idx="0">
+              <a:schemeClr val="accent1"/>
+            </a:effectRef>
+            <a:fontRef idx="minor">
+              <a:schemeClr val="tx1"/>
+            </a:fontRef>
+          </p:style>
+        </p:cxnSp>
+        <p:cxnSp>
+          <p:nvCxnSpPr>
+            <p:cNvPr id="15" name="직선 연결선 14"/>
+            <p:cNvCxnSpPr/>
+            <p:nvPr/>
+          </p:nvCxnSpPr>
+          <p:spPr>
+            <a:xfrm>
+              <a:off x="1404969" y="3453421"/>
+              <a:ext cx="130114" cy="0"/>
+            </a:xfrm>
+            <a:prstGeom prst="line">
+              <a:avLst/>
+            </a:prstGeom>
+            <a:ln w="28575" cap="rnd">
+              <a:solidFill>
+                <a:schemeClr val="tx1">
+                  <a:lumMod val="75000"/>
+                  <a:lumOff val="25000"/>
+                </a:schemeClr>
+              </a:solidFill>
+            </a:ln>
+          </p:spPr>
+          <p:style>
+            <a:lnRef idx="1">
+              <a:schemeClr val="accent1"/>
+            </a:lnRef>
+            <a:fillRef idx="0">
+              <a:schemeClr val="accent1"/>
+            </a:fillRef>
+            <a:effectRef idx="0">
+              <a:schemeClr val="accent1"/>
+            </a:effectRef>
+            <a:fontRef idx="minor">
+              <a:schemeClr val="tx1"/>
+            </a:fontRef>
+          </p:style>
+        </p:cxnSp>
+        <p:cxnSp>
+          <p:nvCxnSpPr>
+            <p:cNvPr id="16" name="직선 연결선 15"/>
+            <p:cNvCxnSpPr/>
+            <p:nvPr/>
+          </p:nvCxnSpPr>
+          <p:spPr>
+            <a:xfrm>
+              <a:off x="1404969" y="3699889"/>
+              <a:ext cx="130114" cy="0"/>
+            </a:xfrm>
+            <a:prstGeom prst="line">
+              <a:avLst/>
+            </a:prstGeom>
+            <a:ln w="28575" cap="rnd">
+              <a:solidFill>
+                <a:schemeClr val="tx1">
+                  <a:lumMod val="75000"/>
+                  <a:lumOff val="25000"/>
+                </a:schemeClr>
+              </a:solidFill>
+            </a:ln>
+          </p:spPr>
+          <p:style>
+            <a:lnRef idx="1">
+              <a:schemeClr val="accent1"/>
+            </a:lnRef>
+            <a:fillRef idx="0">
+              <a:schemeClr val="accent1"/>
+            </a:fillRef>
+            <a:effectRef idx="0">
+              <a:schemeClr val="accent1"/>
+            </a:effectRef>
+            <a:fontRef idx="minor">
+              <a:schemeClr val="tx1"/>
+            </a:fontRef>
+          </p:style>
+        </p:cxnSp>
+        <p:cxnSp>
+          <p:nvCxnSpPr>
+            <p:cNvPr id="17" name="직선 연결선 16"/>
+            <p:cNvCxnSpPr/>
+            <p:nvPr/>
+          </p:nvCxnSpPr>
+          <p:spPr>
+            <a:xfrm>
+              <a:off x="1404969" y="5178694"/>
+              <a:ext cx="274202" cy="0"/>
+            </a:xfrm>
+            <a:prstGeom prst="line">
+              <a:avLst/>
+            </a:prstGeom>
+            <a:ln w="28575" cap="rnd">
+              <a:solidFill>
+                <a:schemeClr val="tx1">
+                  <a:lumMod val="75000"/>
+                  <a:lumOff val="25000"/>
+                </a:schemeClr>
+              </a:solidFill>
+            </a:ln>
+          </p:spPr>
+          <p:style>
+            <a:lnRef idx="1">
+              <a:schemeClr val="accent1"/>
+            </a:lnRef>
+            <a:fillRef idx="0">
+              <a:schemeClr val="accent1"/>
+            </a:fillRef>
+            <a:effectRef idx="0">
+              <a:schemeClr val="accent1"/>
+            </a:effectRef>
+            <a:fontRef idx="minor">
+              <a:schemeClr val="tx1"/>
+            </a:fontRef>
+          </p:style>
+        </p:cxnSp>
+        <p:cxnSp>
+          <p:nvCxnSpPr>
+            <p:cNvPr id="18" name="직선 연결선 17"/>
+            <p:cNvCxnSpPr/>
+            <p:nvPr/>
+          </p:nvCxnSpPr>
+          <p:spPr>
+            <a:xfrm>
+              <a:off x="1404969" y="4192825"/>
+              <a:ext cx="130114" cy="0"/>
+            </a:xfrm>
+            <a:prstGeom prst="line">
+              <a:avLst/>
+            </a:prstGeom>
+            <a:ln w="28575" cap="rnd">
+              <a:solidFill>
+                <a:schemeClr val="tx1">
+                  <a:lumMod val="75000"/>
+                  <a:lumOff val="25000"/>
+                </a:schemeClr>
+              </a:solidFill>
+            </a:ln>
+          </p:spPr>
+          <p:style>
+            <a:lnRef idx="1">
+              <a:schemeClr val="accent1"/>
+            </a:lnRef>
+            <a:fillRef idx="0">
+              <a:schemeClr val="accent1"/>
+            </a:fillRef>
+            <a:effectRef idx="0">
+              <a:schemeClr val="accent1"/>
+            </a:effectRef>
+            <a:fontRef idx="minor">
+              <a:schemeClr val="tx1"/>
+            </a:fontRef>
+          </p:style>
+        </p:cxnSp>
+        <p:cxnSp>
+          <p:nvCxnSpPr>
+            <p:cNvPr id="19" name="직선 연결선 18"/>
+            <p:cNvCxnSpPr/>
+            <p:nvPr/>
+          </p:nvCxnSpPr>
+          <p:spPr>
+            <a:xfrm>
+              <a:off x="1404969" y="4439293"/>
+              <a:ext cx="130114" cy="0"/>
+            </a:xfrm>
+            <a:prstGeom prst="line">
+              <a:avLst/>
+            </a:prstGeom>
+            <a:ln w="28575" cap="rnd">
+              <a:solidFill>
+                <a:schemeClr val="tx1">
+                  <a:lumMod val="75000"/>
+                  <a:lumOff val="25000"/>
+                </a:schemeClr>
+              </a:solidFill>
+            </a:ln>
+          </p:spPr>
+          <p:style>
+            <a:lnRef idx="1">
+              <a:schemeClr val="accent1"/>
+            </a:lnRef>
+            <a:fillRef idx="0">
+              <a:schemeClr val="accent1"/>
+            </a:fillRef>
+            <a:effectRef idx="0">
+              <a:schemeClr val="accent1"/>
+            </a:effectRef>
+            <a:fontRef idx="minor">
+              <a:schemeClr val="tx1"/>
+            </a:fontRef>
+          </p:style>
+        </p:cxnSp>
+        <p:cxnSp>
+          <p:nvCxnSpPr>
+            <p:cNvPr id="20" name="직선 연결선 19"/>
+            <p:cNvCxnSpPr/>
+            <p:nvPr/>
+          </p:nvCxnSpPr>
+          <p:spPr>
+            <a:xfrm>
+              <a:off x="1404969" y="4685761"/>
+              <a:ext cx="130114" cy="0"/>
+            </a:xfrm>
+            <a:prstGeom prst="line">
+              <a:avLst/>
+            </a:prstGeom>
+            <a:ln w="28575" cap="rnd">
+              <a:solidFill>
+                <a:schemeClr val="tx1">
+                  <a:lumMod val="75000"/>
+                  <a:lumOff val="25000"/>
+                </a:schemeClr>
+              </a:solidFill>
+            </a:ln>
+          </p:spPr>
+          <p:style>
+            <a:lnRef idx="1">
+              <a:schemeClr val="accent1"/>
+            </a:lnRef>
+            <a:fillRef idx="0">
+              <a:schemeClr val="accent1"/>
+            </a:fillRef>
+            <a:effectRef idx="0">
+              <a:schemeClr val="accent1"/>
+            </a:effectRef>
+            <a:fontRef idx="minor">
+              <a:schemeClr val="tx1"/>
+            </a:fontRef>
+          </p:style>
+        </p:cxnSp>
+        <p:cxnSp>
+          <p:nvCxnSpPr>
+            <p:cNvPr id="21" name="직선 연결선 20"/>
+            <p:cNvCxnSpPr/>
+            <p:nvPr/>
+          </p:nvCxnSpPr>
+          <p:spPr>
+            <a:xfrm>
+              <a:off x="1404969" y="4932229"/>
+              <a:ext cx="130114" cy="0"/>
+            </a:xfrm>
+            <a:prstGeom prst="line">
+              <a:avLst/>
+            </a:prstGeom>
+            <a:ln w="28575" cap="rnd">
+              <a:solidFill>
+                <a:schemeClr val="tx1">
+                  <a:lumMod val="75000"/>
+                  <a:lumOff val="25000"/>
+                </a:schemeClr>
+              </a:solidFill>
+            </a:ln>
+          </p:spPr>
+          <p:style>
+            <a:lnRef idx="1">
+              <a:schemeClr val="accent1"/>
+            </a:lnRef>
+            <a:fillRef idx="0">
+              <a:schemeClr val="accent1"/>
+            </a:fillRef>
+            <a:effectRef idx="0">
+              <a:schemeClr val="accent1"/>
+            </a:effectRef>
+            <a:fontRef idx="minor">
+              <a:schemeClr val="tx1"/>
+            </a:fontRef>
+          </p:style>
+        </p:cxnSp>
+      </p:grpSp>
+      <p:sp>
+        <p:nvSpPr>
+          <p:cNvPr id="24" name="speed"/>
+          <p:cNvSpPr txBox="1">
+            <a:spLocks noChangeArrowheads="1"/>
+          </p:cNvSpPr>
+          <p:nvPr/>
+        </p:nvSpPr>
+        <p:spPr bwMode="auto">
+          <a:xfrm>
+            <a:off x="2094337" y="2086362"/>
+            <a:ext cx="2179977" cy="1452705"/>
+          </a:xfrm>
+          <a:prstGeom prst="rect">
+            <a:avLst/>
+          </a:prstGeom>
+          <a:noFill/>
+          <a:scene3d>
+            <a:camera prst="orthographicFront">
+              <a:rot lat="0" lon="0" rev="0"/>
+            </a:camera>
+            <a:lightRig rig="threePt" dir="t"/>
+          </a:scene3d>
+          <a:sp3d prstMaterial="matte">
+            <a:bevelT w="1270" h="1270"/>
+          </a:sp3d>
+        </p:spPr>
+        <p:txBody>
+          <a:bodyPr wrap="square" lIns="0" tIns="0" rIns="0" bIns="0" anchor="t" anchorCtr="0">
+            <a:spAutoFit/>
+            <a:sp3d/>
+          </a:bodyPr>
+          <a:lstStyle>
+            <a:defPPr>
+              <a:defRPr lang="ko-KR"/>
+            </a:defPPr>
+            <a:lvl1pPr algn="l" rtl="0" fontAlgn="base" latinLnBrk="1">
+              <a:spcBef>
+                <a:spcPct val="0"/>
+              </a:spcBef>
+              <a:spcAft>
+                <a:spcPct val="0"/>
+              </a:spcAft>
+              <a:defRPr kumimoji="1" kern="1200">
+                <a:solidFill>
+                  <a:schemeClr val="tx1"/>
+                </a:solidFill>
+                <a:latin typeface="굴림" pitchFamily="50" charset="-127"/>
+                <a:ea typeface="굴림" pitchFamily="50" charset="-127"/>
+                <a:cs typeface="+mn-cs"/>
+              </a:defRPr>
+            </a:lvl1pPr>
+            <a:lvl2pPr marL="457200" algn="l" rtl="0" fontAlgn="base" latinLnBrk="1">
+              <a:spcBef>
+                <a:spcPct val="0"/>
+              </a:spcBef>
+              <a:spcAft>
+                <a:spcPct val="0"/>
+              </a:spcAft>
+              <a:defRPr kumimoji="1" kern="1200">
+                <a:solidFill>
+                  <a:schemeClr val="tx1"/>
+                </a:solidFill>
+                <a:latin typeface="굴림" pitchFamily="50" charset="-127"/>
+                <a:ea typeface="굴림" pitchFamily="50" charset="-127"/>
+                <a:cs typeface="+mn-cs"/>
+              </a:defRPr>
+            </a:lvl2pPr>
+            <a:lvl3pPr marL="914400" algn="l" rtl="0" fontAlgn="base" latinLnBrk="1">
+              <a:spcBef>
+                <a:spcPct val="0"/>
+              </a:spcBef>
+              <a:spcAft>
+                <a:spcPct val="0"/>
+              </a:spcAft>
+              <a:defRPr kumimoji="1" kern="1200">
+                <a:solidFill>
+                  <a:schemeClr val="tx1"/>
+                </a:solidFill>
+                <a:latin typeface="굴림" pitchFamily="50" charset="-127"/>
+                <a:ea typeface="굴림" pitchFamily="50" charset="-127"/>
+                <a:cs typeface="+mn-cs"/>
+              </a:defRPr>
+            </a:lvl3pPr>
+            <a:lvl4pPr marL="1371600" algn="l" rtl="0" fontAlgn="base" latinLnBrk="1">
+              <a:spcBef>
+                <a:spcPct val="0"/>
+              </a:spcBef>
+              <a:spcAft>
+                <a:spcPct val="0"/>
+              </a:spcAft>
+              <a:defRPr kumimoji="1" kern="1200">
+                <a:solidFill>
+                  <a:schemeClr val="tx1"/>
+                </a:solidFill>
+                <a:latin typeface="굴림" pitchFamily="50" charset="-127"/>
+                <a:ea typeface="굴림" pitchFamily="50" charset="-127"/>
+                <a:cs typeface="+mn-cs"/>
+              </a:defRPr>
+            </a:lvl4pPr>
+            <a:lvl5pPr marL="1828800" algn="l" rtl="0" fontAlgn="base" latinLnBrk="1">
+              <a:spcBef>
+                <a:spcPct val="0"/>
+              </a:spcBef>
+              <a:spcAft>
+                <a:spcPct val="0"/>
+              </a:spcAft>
+              <a:defRPr kumimoji="1" kern="1200">
+                <a:solidFill>
+                  <a:schemeClr val="tx1"/>
+                </a:solidFill>
+                <a:latin typeface="굴림" pitchFamily="50" charset="-127"/>
+                <a:ea typeface="굴림" pitchFamily="50" charset="-127"/>
+                <a:cs typeface="+mn-cs"/>
+              </a:defRPr>
+            </a:lvl5pPr>
+            <a:lvl6pPr marL="2286000" algn="l" defTabSz="914400" rtl="0" eaLnBrk="1" latinLnBrk="1" hangingPunct="1">
+              <a:defRPr kumimoji="1" kern="1200">
+                <a:solidFill>
+                  <a:schemeClr val="tx1"/>
+                </a:solidFill>
+                <a:latin typeface="굴림" pitchFamily="50" charset="-127"/>
+                <a:ea typeface="굴림" pitchFamily="50" charset="-127"/>
+                <a:cs typeface="+mn-cs"/>
+              </a:defRPr>
+            </a:lvl6pPr>
+            <a:lvl7pPr marL="2743200" algn="l" defTabSz="914400" rtl="0" eaLnBrk="1" latinLnBrk="1" hangingPunct="1">
+              <a:defRPr kumimoji="1" kern="1200">
+                <a:solidFill>
+                  <a:schemeClr val="tx1"/>
+                </a:solidFill>
+                <a:latin typeface="굴림" pitchFamily="50" charset="-127"/>
+                <a:ea typeface="굴림" pitchFamily="50" charset="-127"/>
+                <a:cs typeface="+mn-cs"/>
+              </a:defRPr>
+            </a:lvl7pPr>
+            <a:lvl8pPr marL="3200400" algn="l" defTabSz="914400" rtl="0" eaLnBrk="1" latinLnBrk="1" hangingPunct="1">
+              <a:defRPr kumimoji="1" kern="1200">
+                <a:solidFill>
+                  <a:schemeClr val="tx1"/>
+                </a:solidFill>
+                <a:latin typeface="굴림" pitchFamily="50" charset="-127"/>
+                <a:ea typeface="굴림" pitchFamily="50" charset="-127"/>
+                <a:cs typeface="+mn-cs"/>
+              </a:defRPr>
+            </a:lvl8pPr>
+            <a:lvl9pPr marL="3657600" algn="l" defTabSz="914400" rtl="0" eaLnBrk="1" latinLnBrk="1" hangingPunct="1">
+              <a:defRPr kumimoji="1" kern="1200">
+                <a:solidFill>
+                  <a:schemeClr val="tx1"/>
+                </a:solidFill>
+                <a:latin typeface="굴림" pitchFamily="50" charset="-127"/>
+                <a:ea typeface="굴림" pitchFamily="50" charset="-127"/>
+                <a:cs typeface="+mn-cs"/>
+              </a:defRPr>
+            </a:lvl9pPr>
+          </a:lstStyle>
+          <a:p>
+            <a:pPr marL="285750" indent="-285750">
+              <a:buFont typeface="Arial"/>
+              <a:buChar char="•"/>
+              <a:defRPr/>
+            </a:pPr>
+            <a:r>
+              <a:rPr lang="en-US" sz="1600">
+                <a:solidFill>
+                  <a:srgbClr val="0D0D0D"/>
+                </a:solidFill>
+                <a:latin typeface="microsoft sans serif"/>
+                <a:ea typeface="굴림"/>
+                <a:cs typeface="Tahoma"/>
+              </a:rPr>
+              <a:t>Pregnancy-related depression or mood swings</a:t>
+            </a:r>
+            <a:endParaRPr lang="en-US" sz="1600">
+              <a:latin typeface="microsoft sans serif"/>
+              <a:cs typeface="microsoft sans serif"/>
+            </a:endParaRPr>
+          </a:p>
+          <a:p>
+            <a:pPr marL="285750" indent="-285750">
+              <a:buFont typeface="Arial"/>
+              <a:buChar char="•"/>
+              <a:defRPr/>
+            </a:pPr>
+            <a:r>
+              <a:rPr lang="en-US" sz="1600">
+                <a:solidFill>
+                  <a:srgbClr val="0D0D0D"/>
+                </a:solidFill>
+                <a:latin typeface="microsoft sans serif"/>
+                <a:ea typeface="굴림"/>
+                <a:cs typeface="Tahoma"/>
+              </a:rPr>
+              <a:t>Fetal growth restriction</a:t>
+            </a:r>
+            <a:endParaRPr lang="en-US" sz="1600">
+              <a:latin typeface="microsoft sans serif"/>
+              <a:cs typeface="microsoft sans serif"/>
+            </a:endParaRPr>
+          </a:p>
+          <a:p>
+            <a:pPr>
+              <a:lnSpc>
+                <a:spcPct val="90000"/>
+              </a:lnSpc>
+              <a:defRPr/>
+            </a:pPr>
+            <a:endParaRPr lang="en-US" altLang="ko-KR" sz="1600" b="1">
+              <a:latin typeface="microsoft sans serif"/>
+              <a:ea typeface="Tahoma"/>
+              <a:cs typeface="Tahoma"/>
+            </a:endParaRPr>
+          </a:p>
+        </p:txBody>
+      </p:sp>
+      <p:sp>
+        <p:nvSpPr>
+          <p:cNvPr id="25" name="speed"/>
+          <p:cNvSpPr txBox="1">
+            <a:spLocks noChangeArrowheads="1"/>
+          </p:cNvSpPr>
+          <p:nvPr/>
+        </p:nvSpPr>
+        <p:spPr bwMode="auto">
+          <a:xfrm>
+            <a:off x="2365045" y="1570414"/>
+            <a:ext cx="1394545" cy="443198"/>
+          </a:xfrm>
+          <a:prstGeom prst="rect">
+            <a:avLst/>
+          </a:prstGeom>
+          <a:noFill/>
+          <a:scene3d>
+            <a:camera prst="orthographicFront">
+              <a:rot lat="0" lon="0" rev="0"/>
+            </a:camera>
+            <a:lightRig rig="threePt" dir="t"/>
+          </a:scene3d>
+          <a:sp3d prstMaterial="matte">
+            <a:bevelT w="1270" h="1270"/>
+          </a:sp3d>
+        </p:spPr>
+        <p:txBody>
+          <a:bodyPr wrap="square" lIns="0" tIns="0" rIns="0" bIns="0" anchor="t" anchorCtr="0">
+            <a:spAutoFit/>
+            <a:sp3d/>
+          </a:bodyPr>
+          <a:lstStyle>
+            <a:defPPr>
+              <a:defRPr lang="ko-KR"/>
+            </a:defPPr>
+            <a:lvl1pPr algn="l" rtl="0" fontAlgn="base" latinLnBrk="1">
+              <a:spcBef>
+                <a:spcPct val="0"/>
+              </a:spcBef>
+              <a:spcAft>
+                <a:spcPct val="0"/>
+              </a:spcAft>
+              <a:defRPr kumimoji="1" kern="1200">
+                <a:solidFill>
+                  <a:schemeClr val="tx1"/>
+                </a:solidFill>
+                <a:latin typeface="굴림" pitchFamily="50" charset="-127"/>
+                <a:ea typeface="굴림" pitchFamily="50" charset="-127"/>
+                <a:cs typeface="+mn-cs"/>
+              </a:defRPr>
+            </a:lvl1pPr>
+            <a:lvl2pPr marL="457200" algn="l" rtl="0" fontAlgn="base" latinLnBrk="1">
+              <a:spcBef>
+                <a:spcPct val="0"/>
+              </a:spcBef>
+              <a:spcAft>
+                <a:spcPct val="0"/>
+              </a:spcAft>
+              <a:defRPr kumimoji="1" kern="1200">
+                <a:solidFill>
+                  <a:schemeClr val="tx1"/>
+                </a:solidFill>
+                <a:latin typeface="굴림" pitchFamily="50" charset="-127"/>
+                <a:ea typeface="굴림" pitchFamily="50" charset="-127"/>
+                <a:cs typeface="+mn-cs"/>
+              </a:defRPr>
+            </a:lvl2pPr>
+            <a:lvl3pPr marL="914400" algn="l" rtl="0" fontAlgn="base" latinLnBrk="1">
+              <a:spcBef>
+                <a:spcPct val="0"/>
+              </a:spcBef>
+              <a:spcAft>
+                <a:spcPct val="0"/>
+              </a:spcAft>
+              <a:defRPr kumimoji="1" kern="1200">
+                <a:solidFill>
+                  <a:schemeClr val="tx1"/>
+                </a:solidFill>
+                <a:latin typeface="굴림" pitchFamily="50" charset="-127"/>
+                <a:ea typeface="굴림" pitchFamily="50" charset="-127"/>
+                <a:cs typeface="+mn-cs"/>
+              </a:defRPr>
+            </a:lvl3pPr>
+            <a:lvl4pPr marL="1371600" algn="l" rtl="0" fontAlgn="base" latinLnBrk="1">
+              <a:spcBef>
+                <a:spcPct val="0"/>
+              </a:spcBef>
+              <a:spcAft>
+                <a:spcPct val="0"/>
+              </a:spcAft>
+              <a:defRPr kumimoji="1" kern="1200">
+                <a:solidFill>
+                  <a:schemeClr val="tx1"/>
+                </a:solidFill>
+                <a:latin typeface="굴림" pitchFamily="50" charset="-127"/>
+                <a:ea typeface="굴림" pitchFamily="50" charset="-127"/>
+                <a:cs typeface="+mn-cs"/>
+              </a:defRPr>
+            </a:lvl4pPr>
+            <a:lvl5pPr marL="1828800" algn="l" rtl="0" fontAlgn="base" latinLnBrk="1">
+              <a:spcBef>
+                <a:spcPct val="0"/>
+              </a:spcBef>
+              <a:spcAft>
+                <a:spcPct val="0"/>
+              </a:spcAft>
+              <a:defRPr kumimoji="1" kern="1200">
+                <a:solidFill>
+                  <a:schemeClr val="tx1"/>
+                </a:solidFill>
+                <a:latin typeface="굴림" pitchFamily="50" charset="-127"/>
+                <a:ea typeface="굴림" pitchFamily="50" charset="-127"/>
+                <a:cs typeface="+mn-cs"/>
+              </a:defRPr>
+            </a:lvl5pPr>
+            <a:lvl6pPr marL="2286000" algn="l" defTabSz="914400" rtl="0" eaLnBrk="1" latinLnBrk="1" hangingPunct="1">
+              <a:defRPr kumimoji="1" kern="1200">
+                <a:solidFill>
+                  <a:schemeClr val="tx1"/>
+                </a:solidFill>
+                <a:latin typeface="굴림" pitchFamily="50" charset="-127"/>
+                <a:ea typeface="굴림" pitchFamily="50" charset="-127"/>
+                <a:cs typeface="+mn-cs"/>
+              </a:defRPr>
+            </a:lvl6pPr>
+            <a:lvl7pPr marL="2743200" algn="l" defTabSz="914400" rtl="0" eaLnBrk="1" latinLnBrk="1" hangingPunct="1">
+              <a:defRPr kumimoji="1" kern="1200">
+                <a:solidFill>
+                  <a:schemeClr val="tx1"/>
+                </a:solidFill>
+                <a:latin typeface="굴림" pitchFamily="50" charset="-127"/>
+                <a:ea typeface="굴림" pitchFamily="50" charset="-127"/>
+                <a:cs typeface="+mn-cs"/>
+              </a:defRPr>
+            </a:lvl7pPr>
+            <a:lvl8pPr marL="3200400" algn="l" defTabSz="914400" rtl="0" eaLnBrk="1" latinLnBrk="1" hangingPunct="1">
+              <a:defRPr kumimoji="1" kern="1200">
+                <a:solidFill>
+                  <a:schemeClr val="tx1"/>
+                </a:solidFill>
+                <a:latin typeface="굴림" pitchFamily="50" charset="-127"/>
+                <a:ea typeface="굴림" pitchFamily="50" charset="-127"/>
+                <a:cs typeface="+mn-cs"/>
+              </a:defRPr>
+            </a:lvl8pPr>
+            <a:lvl9pPr marL="3657600" algn="l" defTabSz="914400" rtl="0" eaLnBrk="1" latinLnBrk="1" hangingPunct="1">
+              <a:defRPr kumimoji="1" kern="1200">
+                <a:solidFill>
+                  <a:schemeClr val="tx1"/>
+                </a:solidFill>
+                <a:latin typeface="굴림" pitchFamily="50" charset="-127"/>
+                <a:ea typeface="굴림" pitchFamily="50" charset="-127"/>
+                <a:cs typeface="+mn-cs"/>
+              </a:defRPr>
+            </a:lvl9pPr>
+          </a:lstStyle>
+          <a:p>
+            <a:pPr>
+              <a:lnSpc>
+                <a:spcPct val="90000"/>
+              </a:lnSpc>
+              <a:defRPr/>
+            </a:pPr>
+            <a:r>
+              <a:rPr lang="en-US" altLang="ko-KR" sz="3200" b="1">
+                <a:solidFill>
+                  <a:srgbClr val="48B5B2"/>
+                </a:solidFill>
+                <a:latin typeface="Calibri"/>
+                <a:ea typeface="Tahoma"/>
+                <a:cs typeface="Tahoma"/>
+              </a:rPr>
+              <a:t>&lt;25pm</a:t>
+            </a:r>
+          </a:p>
+        </p:txBody>
+      </p:sp>
+      <p:sp>
+        <p:nvSpPr>
+          <p:cNvPr id="26" name="speed"/>
+          <p:cNvSpPr txBox="1">
+            <a:spLocks noChangeArrowheads="1"/>
+          </p:cNvSpPr>
+          <p:nvPr/>
+        </p:nvSpPr>
+        <p:spPr bwMode="auto">
+          <a:xfrm>
+            <a:off x="812972" y="1388461"/>
+            <a:ext cx="1957394" cy="332399"/>
+          </a:xfrm>
+          <a:prstGeom prst="rect">
+            <a:avLst/>
+          </a:prstGeom>
+          <a:noFill/>
+          <a:scene3d>
+            <a:camera prst="orthographicFront">
+              <a:rot lat="0" lon="0" rev="0"/>
+            </a:camera>
+            <a:lightRig rig="threePt" dir="t"/>
+          </a:scene3d>
+          <a:sp3d prstMaterial="matte">
+            <a:bevelT w="1270" h="1270"/>
+          </a:sp3d>
+        </p:spPr>
+        <p:txBody>
+          <a:bodyPr wrap="square" lIns="0" tIns="0" rIns="0" bIns="0" anchor="t" anchorCtr="0">
+            <a:spAutoFit/>
+            <a:sp3d/>
+          </a:bodyPr>
+          <a:lstStyle>
+            <a:defPPr>
+              <a:defRPr lang="ko-KR"/>
+            </a:defPPr>
+            <a:lvl1pPr algn="l" rtl="0" fontAlgn="base" latinLnBrk="1">
+              <a:spcBef>
+                <a:spcPct val="0"/>
+              </a:spcBef>
+              <a:spcAft>
+                <a:spcPct val="0"/>
+              </a:spcAft>
+              <a:defRPr kumimoji="1" kern="1200">
+                <a:solidFill>
+                  <a:schemeClr val="tx1"/>
+                </a:solidFill>
+                <a:latin typeface="굴림" pitchFamily="50" charset="-127"/>
+                <a:ea typeface="굴림" pitchFamily="50" charset="-127"/>
+                <a:cs typeface="+mn-cs"/>
+              </a:defRPr>
+            </a:lvl1pPr>
+            <a:lvl2pPr marL="457200" algn="l" rtl="0" fontAlgn="base" latinLnBrk="1">
+              <a:spcBef>
+                <a:spcPct val="0"/>
+              </a:spcBef>
+              <a:spcAft>
+                <a:spcPct val="0"/>
+              </a:spcAft>
+              <a:defRPr kumimoji="1" kern="1200">
+                <a:solidFill>
+                  <a:schemeClr val="tx1"/>
+                </a:solidFill>
+                <a:latin typeface="굴림" pitchFamily="50" charset="-127"/>
+                <a:ea typeface="굴림" pitchFamily="50" charset="-127"/>
+                <a:cs typeface="+mn-cs"/>
+              </a:defRPr>
+            </a:lvl2pPr>
+            <a:lvl3pPr marL="914400" algn="l" rtl="0" fontAlgn="base" latinLnBrk="1">
+              <a:spcBef>
+                <a:spcPct val="0"/>
+              </a:spcBef>
+              <a:spcAft>
+                <a:spcPct val="0"/>
+              </a:spcAft>
+              <a:defRPr kumimoji="1" kern="1200">
+                <a:solidFill>
+                  <a:schemeClr val="tx1"/>
+                </a:solidFill>
+                <a:latin typeface="굴림" pitchFamily="50" charset="-127"/>
+                <a:ea typeface="굴림" pitchFamily="50" charset="-127"/>
+                <a:cs typeface="+mn-cs"/>
+              </a:defRPr>
+            </a:lvl3pPr>
+            <a:lvl4pPr marL="1371600" algn="l" rtl="0" fontAlgn="base" latinLnBrk="1">
+              <a:spcBef>
+                <a:spcPct val="0"/>
+              </a:spcBef>
+              <a:spcAft>
+                <a:spcPct val="0"/>
+              </a:spcAft>
+              <a:defRPr kumimoji="1" kern="1200">
+                <a:solidFill>
+                  <a:schemeClr val="tx1"/>
+                </a:solidFill>
+                <a:latin typeface="굴림" pitchFamily="50" charset="-127"/>
+                <a:ea typeface="굴림" pitchFamily="50" charset="-127"/>
+                <a:cs typeface="+mn-cs"/>
+              </a:defRPr>
+            </a:lvl4pPr>
+            <a:lvl5pPr marL="1828800" algn="l" rtl="0" fontAlgn="base" latinLnBrk="1">
+              <a:spcBef>
+                <a:spcPct val="0"/>
+              </a:spcBef>
+              <a:spcAft>
+                <a:spcPct val="0"/>
+              </a:spcAft>
+              <a:defRPr kumimoji="1" kern="1200">
+                <a:solidFill>
+                  <a:schemeClr val="tx1"/>
+                </a:solidFill>
+                <a:latin typeface="굴림" pitchFamily="50" charset="-127"/>
+                <a:ea typeface="굴림" pitchFamily="50" charset="-127"/>
+                <a:cs typeface="+mn-cs"/>
+              </a:defRPr>
+            </a:lvl5pPr>
+            <a:lvl6pPr marL="2286000" algn="l" defTabSz="914400" rtl="0" eaLnBrk="1" latinLnBrk="1" hangingPunct="1">
+              <a:defRPr kumimoji="1" kern="1200">
+                <a:solidFill>
+                  <a:schemeClr val="tx1"/>
+                </a:solidFill>
+                <a:latin typeface="굴림" pitchFamily="50" charset="-127"/>
+                <a:ea typeface="굴림" pitchFamily="50" charset="-127"/>
+                <a:cs typeface="+mn-cs"/>
+              </a:defRPr>
+            </a:lvl6pPr>
+            <a:lvl7pPr marL="2743200" algn="l" defTabSz="914400" rtl="0" eaLnBrk="1" latinLnBrk="1" hangingPunct="1">
+              <a:defRPr kumimoji="1" kern="1200">
+                <a:solidFill>
+                  <a:schemeClr val="tx1"/>
+                </a:solidFill>
+                <a:latin typeface="굴림" pitchFamily="50" charset="-127"/>
+                <a:ea typeface="굴림" pitchFamily="50" charset="-127"/>
+                <a:cs typeface="+mn-cs"/>
+              </a:defRPr>
+            </a:lvl7pPr>
+            <a:lvl8pPr marL="3200400" algn="l" defTabSz="914400" rtl="0" eaLnBrk="1" latinLnBrk="1" hangingPunct="1">
+              <a:defRPr kumimoji="1" kern="1200">
+                <a:solidFill>
+                  <a:schemeClr val="tx1"/>
+                </a:solidFill>
+                <a:latin typeface="굴림" pitchFamily="50" charset="-127"/>
+                <a:ea typeface="굴림" pitchFamily="50" charset="-127"/>
+                <a:cs typeface="+mn-cs"/>
+              </a:defRPr>
+            </a:lvl8pPr>
+            <a:lvl9pPr marL="3657600" algn="l" defTabSz="914400" rtl="0" eaLnBrk="1" latinLnBrk="1" hangingPunct="1">
+              <a:defRPr kumimoji="1" kern="1200">
+                <a:solidFill>
+                  <a:schemeClr val="tx1"/>
+                </a:solidFill>
+                <a:latin typeface="굴림" pitchFamily="50" charset="-127"/>
+                <a:ea typeface="굴림" pitchFamily="50" charset="-127"/>
+                <a:cs typeface="+mn-cs"/>
+              </a:defRPr>
+            </a:lvl9pPr>
+          </a:lstStyle>
+          <a:p>
+            <a:pPr>
+              <a:lnSpc>
+                <a:spcPct val="90000"/>
+              </a:lnSpc>
+              <a:defRPr/>
+            </a:pPr>
+            <a:r>
+              <a:rPr lang="en-US" sz="1200" b="1">
+                <a:solidFill>
+                  <a:srgbClr val="000000"/>
+                </a:solidFill>
+                <a:latin typeface="Calibri"/>
+                <a:ea typeface="Calibri"/>
+                <a:cs typeface="Calibri"/>
+              </a:rPr>
+              <a:t>Hormone Concentration</a:t>
+            </a:r>
+          </a:p>
+          <a:p>
+            <a:pPr>
+              <a:lnSpc>
+                <a:spcPct val="90000"/>
+              </a:lnSpc>
+              <a:defRPr/>
+            </a:pPr>
+            <a:endParaRPr lang="en-US" altLang="ko-KR" sz="1200" b="1">
+              <a:latin typeface="Calibri"/>
+              <a:ea typeface="Tahoma"/>
+              <a:cs typeface="Tahoma"/>
+            </a:endParaRPr>
+          </a:p>
+        </p:txBody>
+      </p:sp>
+      <p:sp>
+        <p:nvSpPr>
+          <p:cNvPr id="27" name="양쪽 모서리가 둥근 사각형 9"/>
+          <p:cNvSpPr/>
+          <p:nvPr/>
+        </p:nvSpPr>
+        <p:spPr>
+          <a:xfrm flipH="1" flipV="1">
+            <a:off x="5091906" y="1654009"/>
+            <a:ext cx="984573" cy="3117614"/>
+          </a:xfrm>
+          <a:custGeom>
+            <a:avLst/>
+            <a:gdLst/>
+            <a:ahLst/>
+            <a:cxnLst/>
+            <a:rect l="l" t="t" r="r" b="b"/>
+            <a:pathLst>
+              <a:path w="1137127" h="3600674">
+                <a:moveTo>
+                  <a:pt x="0" y="3443429"/>
+                </a:moveTo>
+                <a:cubicBezTo>
+                  <a:pt x="0" y="3443429"/>
+                  <a:pt x="0" y="3443429"/>
+                  <a:pt x="0" y="3443429"/>
+                </a:cubicBezTo>
+                <a:lnTo>
+                  <a:pt x="0" y="3443428"/>
+                </a:lnTo>
+                <a:close/>
+                <a:moveTo>
+                  <a:pt x="157246" y="3600674"/>
+                </a:moveTo>
+                <a:lnTo>
+                  <a:pt x="979881" y="3600674"/>
+                </a:lnTo>
+                <a:cubicBezTo>
+                  <a:pt x="1066726" y="3600674"/>
+                  <a:pt x="1137127" y="3530273"/>
+                  <a:pt x="1137127" y="3443428"/>
+                </a:cubicBezTo>
+                <a:lnTo>
+                  <a:pt x="1137126" y="3443428"/>
+                </a:lnTo>
+                <a:cubicBezTo>
+                  <a:pt x="1137126" y="3363740"/>
+                  <a:pt x="1077850" y="3297897"/>
+                  <a:pt x="1000611" y="3290368"/>
+                </a:cubicBezTo>
+                <a:lnTo>
+                  <a:pt x="1000611" y="432048"/>
+                </a:lnTo>
+                <a:cubicBezTo>
+                  <a:pt x="1000611" y="193434"/>
+                  <a:pt x="807177" y="0"/>
+                  <a:pt x="568563" y="0"/>
+                </a:cubicBezTo>
+                <a:cubicBezTo>
+                  <a:pt x="329949" y="0"/>
+                  <a:pt x="136515" y="193434"/>
+                  <a:pt x="136515" y="432048"/>
+                </a:cubicBezTo>
+                <a:lnTo>
+                  <a:pt x="136515" y="3290368"/>
+                </a:lnTo>
+                <a:cubicBezTo>
+                  <a:pt x="59276" y="3297897"/>
+                  <a:pt x="0" y="3363740"/>
+                  <a:pt x="0" y="3443429"/>
+                </a:cubicBezTo>
+                <a:cubicBezTo>
+                  <a:pt x="0" y="3530273"/>
+                  <a:pt x="70401" y="3600674"/>
+                  <a:pt x="157246" y="3600674"/>
+                </a:cubicBezTo>
+                <a:close/>
+              </a:path>
+            </a:pathLst>
+          </a:custGeom>
+          <a:solidFill>
+            <a:schemeClr val="bg1">
+              <a:lumMod val="95000"/>
+            </a:schemeClr>
+          </a:solidFill>
+          <a:ln>
+            <a:solidFill>
+              <a:schemeClr val="bg1">
+                <a:lumMod val="65000"/>
+              </a:schemeClr>
+            </a:solidFill>
+          </a:ln>
+        </p:spPr>
+        <p:style>
+          <a:lnRef idx="2">
+            <a:schemeClr val="accent1">
+              <a:shade val="50000"/>
+            </a:schemeClr>
+          </a:lnRef>
+          <a:fillRef idx="1">
+            <a:schemeClr val="accent1"/>
+          </a:fillRef>
+          <a:effectRef idx="0">
+            <a:schemeClr val="accent1"/>
+          </a:effectRef>
+          <a:fontRef idx="minor">
+            <a:schemeClr val="lt1"/>
+          </a:fontRef>
+        </p:style>
+        <p:txBody>
+          <a:bodyPr rtlCol="0" anchor="ctr"/>
+          <a:lstStyle/>
+          <a:p>
+            <a:pPr algn="ctr"/>
+            <a:endParaRPr lang="ko-KR" altLang="en-US" sz="1400">
+              <a:solidFill>
+                <a:schemeClr val="tx1">
+                  <a:lumMod val="85000"/>
+                  <a:lumOff val="15000"/>
+                </a:schemeClr>
+              </a:solidFill>
+            </a:endParaRPr>
+          </a:p>
+        </p:txBody>
+      </p:sp>
+      <p:sp>
+        <p:nvSpPr>
+          <p:cNvPr id="28" name="양쪽 모서리가 둥근 사각형 27"/>
+          <p:cNvSpPr/>
+          <p:nvPr/>
+        </p:nvSpPr>
+        <p:spPr>
+          <a:xfrm flipH="1" flipV="1">
+            <a:off x="5268074" y="2178397"/>
+            <a:ext cx="596142" cy="2568415"/>
+          </a:xfrm>
+          <a:prstGeom prst="round2SameRect">
+            <a:avLst>
+              <a:gd name="adj1" fmla="val 50000"/>
+              <a:gd name="adj2" fmla="val 0"/>
+            </a:avLst>
+          </a:prstGeom>
+          <a:solidFill>
+            <a:srgbClr val="FF6F89"/>
+          </a:solidFill>
+          <a:ln>
+            <a:noFill/>
+          </a:ln>
+        </p:spPr>
+        <p:style>
+          <a:lnRef idx="2">
+            <a:schemeClr val="accent1">
+              <a:shade val="50000"/>
+            </a:schemeClr>
+          </a:lnRef>
+          <a:fillRef idx="1">
+            <a:schemeClr val="accent1"/>
+          </a:fillRef>
+          <a:effectRef idx="0">
+            <a:schemeClr val="accent1"/>
+          </a:effectRef>
+          <a:fontRef idx="minor">
+            <a:schemeClr val="lt1"/>
+          </a:fontRef>
+        </p:style>
+        <p:txBody>
+          <a:bodyPr rtlCol="0" anchor="ctr"/>
+          <a:lstStyle/>
+          <a:p>
+            <a:pPr algn="ctr"/>
+            <a:endParaRPr lang="ko-KR" altLang="en-US" sz="1400">
+              <a:solidFill>
+                <a:schemeClr val="tx1">
+                  <a:lumMod val="85000"/>
+                  <a:lumOff val="15000"/>
+                </a:schemeClr>
+              </a:solidFill>
+            </a:endParaRPr>
+          </a:p>
+        </p:txBody>
+      </p:sp>
+      <p:grpSp>
+        <p:nvGrpSpPr>
+          <p:cNvPr id="29" name="그룹 28"/>
+          <p:cNvGrpSpPr/>
+          <p:nvPr/>
+        </p:nvGrpSpPr>
+        <p:grpSpPr>
+          <a:xfrm flipH="1">
+            <a:off x="5722125" y="2167586"/>
+            <a:ext cx="237415" cy="2213633"/>
+            <a:chOff x="1404969" y="2714017"/>
+            <a:chExt cx="274202" cy="2464677"/>
+          </a:xfrm>
+        </p:grpSpPr>
+        <p:cxnSp>
+          <p:nvCxnSpPr>
+            <p:cNvPr id="30" name="직선 연결선 29"/>
+            <p:cNvCxnSpPr/>
+            <p:nvPr/>
+          </p:nvCxnSpPr>
+          <p:spPr>
+            <a:xfrm>
+              <a:off x="1404969" y="2714017"/>
+              <a:ext cx="274202" cy="0"/>
+            </a:xfrm>
+            <a:prstGeom prst="line">
+              <a:avLst/>
+            </a:prstGeom>
+            <a:ln w="28575" cap="rnd">
+              <a:solidFill>
+                <a:schemeClr val="tx1">
+                  <a:lumMod val="75000"/>
+                  <a:lumOff val="25000"/>
+                </a:schemeClr>
+              </a:solidFill>
+            </a:ln>
+          </p:spPr>
+          <p:style>
+            <a:lnRef idx="1">
+              <a:schemeClr val="accent1"/>
+            </a:lnRef>
+            <a:fillRef idx="0">
+              <a:schemeClr val="accent1"/>
+            </a:fillRef>
+            <a:effectRef idx="0">
+              <a:schemeClr val="accent1"/>
+            </a:effectRef>
+            <a:fontRef idx="minor">
+              <a:schemeClr val="tx1"/>
+            </a:fontRef>
+          </p:style>
+        </p:cxnSp>
+        <p:cxnSp>
+          <p:nvCxnSpPr>
+            <p:cNvPr id="31" name="직선 연결선 30"/>
+            <p:cNvCxnSpPr/>
+            <p:nvPr/>
+          </p:nvCxnSpPr>
+          <p:spPr>
+            <a:xfrm>
+              <a:off x="1404969" y="3946357"/>
+              <a:ext cx="274202" cy="0"/>
+            </a:xfrm>
+            <a:prstGeom prst="line">
+              <a:avLst/>
+            </a:prstGeom>
+            <a:ln w="28575" cap="rnd">
+              <a:solidFill>
+                <a:schemeClr val="tx1">
+                  <a:lumMod val="75000"/>
+                  <a:lumOff val="25000"/>
+                </a:schemeClr>
+              </a:solidFill>
+            </a:ln>
+          </p:spPr>
+          <p:style>
+            <a:lnRef idx="1">
+              <a:schemeClr val="accent1"/>
+            </a:lnRef>
+            <a:fillRef idx="0">
+              <a:schemeClr val="accent1"/>
+            </a:fillRef>
+            <a:effectRef idx="0">
+              <a:schemeClr val="accent1"/>
+            </a:effectRef>
+            <a:fontRef idx="minor">
+              <a:schemeClr val="tx1"/>
+            </a:fontRef>
+          </p:style>
+        </p:cxnSp>
+        <p:cxnSp>
+          <p:nvCxnSpPr>
+            <p:cNvPr id="32" name="직선 연결선 31"/>
+            <p:cNvCxnSpPr/>
+            <p:nvPr/>
+          </p:nvCxnSpPr>
+          <p:spPr>
+            <a:xfrm>
+              <a:off x="1404969" y="2960485"/>
+              <a:ext cx="130114" cy="0"/>
+            </a:xfrm>
+            <a:prstGeom prst="line">
+              <a:avLst/>
+            </a:prstGeom>
+            <a:ln w="28575" cap="rnd">
+              <a:solidFill>
+                <a:schemeClr val="tx1">
+                  <a:lumMod val="75000"/>
+                  <a:lumOff val="25000"/>
+                </a:schemeClr>
+              </a:solidFill>
+            </a:ln>
+          </p:spPr>
+          <p:style>
+            <a:lnRef idx="1">
+              <a:schemeClr val="accent1"/>
+            </a:lnRef>
+            <a:fillRef idx="0">
+              <a:schemeClr val="accent1"/>
+            </a:fillRef>
+            <a:effectRef idx="0">
+              <a:schemeClr val="accent1"/>
+            </a:effectRef>
+            <a:fontRef idx="minor">
+              <a:schemeClr val="tx1"/>
+            </a:fontRef>
+          </p:style>
+        </p:cxnSp>
+        <p:cxnSp>
+          <p:nvCxnSpPr>
+            <p:cNvPr id="33" name="직선 연결선 32"/>
+            <p:cNvCxnSpPr/>
+            <p:nvPr/>
+          </p:nvCxnSpPr>
+          <p:spPr>
+            <a:xfrm>
+              <a:off x="1404969" y="3206953"/>
+              <a:ext cx="130114" cy="0"/>
+            </a:xfrm>
+            <a:prstGeom prst="line">
+              <a:avLst/>
+            </a:prstGeom>
+            <a:ln w="28575" cap="rnd">
+              <a:solidFill>
+                <a:schemeClr val="tx1">
+                  <a:lumMod val="75000"/>
+                  <a:lumOff val="25000"/>
+                </a:schemeClr>
+              </a:solidFill>
+            </a:ln>
+          </p:spPr>
+          <p:style>
+            <a:lnRef idx="1">
+              <a:schemeClr val="accent1"/>
+            </a:lnRef>
+            <a:fillRef idx="0">
+              <a:schemeClr val="accent1"/>
+            </a:fillRef>
+            <a:effectRef idx="0">
+              <a:schemeClr val="accent1"/>
+            </a:effectRef>
+            <a:fontRef idx="minor">
+              <a:schemeClr val="tx1"/>
+            </a:fontRef>
+          </p:style>
+        </p:cxnSp>
+        <p:cxnSp>
+          <p:nvCxnSpPr>
+            <p:cNvPr id="34" name="직선 연결선 33"/>
+            <p:cNvCxnSpPr/>
+            <p:nvPr/>
+          </p:nvCxnSpPr>
+          <p:spPr>
+            <a:xfrm>
+              <a:off x="1404969" y="3453421"/>
+              <a:ext cx="130114" cy="0"/>
+            </a:xfrm>
+            <a:prstGeom prst="line">
+              <a:avLst/>
+            </a:prstGeom>
+            <a:ln w="28575" cap="rnd">
+              <a:solidFill>
+                <a:schemeClr val="tx1">
+                  <a:lumMod val="75000"/>
+                  <a:lumOff val="25000"/>
+                </a:schemeClr>
+              </a:solidFill>
+            </a:ln>
+          </p:spPr>
+          <p:style>
+            <a:lnRef idx="1">
+              <a:schemeClr val="accent1"/>
+            </a:lnRef>
+            <a:fillRef idx="0">
+              <a:schemeClr val="accent1"/>
+            </a:fillRef>
+            <a:effectRef idx="0">
+              <a:schemeClr val="accent1"/>
+            </a:effectRef>
+            <a:fontRef idx="minor">
+              <a:schemeClr val="tx1"/>
+            </a:fontRef>
+          </p:style>
+        </p:cxnSp>
+        <p:cxnSp>
+          <p:nvCxnSpPr>
+            <p:cNvPr id="35" name="직선 연결선 34"/>
+            <p:cNvCxnSpPr/>
+            <p:nvPr/>
+          </p:nvCxnSpPr>
+          <p:spPr>
+            <a:xfrm>
+              <a:off x="1404969" y="3699889"/>
+              <a:ext cx="130114" cy="0"/>
+            </a:xfrm>
+            <a:prstGeom prst="line">
+              <a:avLst/>
+            </a:prstGeom>
+            <a:ln w="28575" cap="rnd">
+              <a:solidFill>
+                <a:schemeClr val="tx1">
+                  <a:lumMod val="75000"/>
+                  <a:lumOff val="25000"/>
+                </a:schemeClr>
+              </a:solidFill>
+            </a:ln>
+          </p:spPr>
+          <p:style>
+            <a:lnRef idx="1">
+              <a:schemeClr val="accent1"/>
+            </a:lnRef>
+            <a:fillRef idx="0">
+              <a:schemeClr val="accent1"/>
+            </a:fillRef>
+            <a:effectRef idx="0">
+              <a:schemeClr val="accent1"/>
+            </a:effectRef>
+            <a:fontRef idx="minor">
+              <a:schemeClr val="tx1"/>
+            </a:fontRef>
+          </p:style>
+        </p:cxnSp>
+        <p:cxnSp>
+          <p:nvCxnSpPr>
+            <p:cNvPr id="36" name="직선 연결선 35"/>
+            <p:cNvCxnSpPr/>
+            <p:nvPr/>
+          </p:nvCxnSpPr>
+          <p:spPr>
+            <a:xfrm>
+              <a:off x="1404969" y="5178694"/>
+              <a:ext cx="274202" cy="0"/>
+            </a:xfrm>
+            <a:prstGeom prst="line">
+              <a:avLst/>
+            </a:prstGeom>
+            <a:ln w="28575" cap="rnd">
+              <a:solidFill>
+                <a:schemeClr val="tx1">
+                  <a:lumMod val="75000"/>
+                  <a:lumOff val="25000"/>
+                </a:schemeClr>
+              </a:solidFill>
+            </a:ln>
+          </p:spPr>
+          <p:style>
+            <a:lnRef idx="1">
+              <a:schemeClr val="accent1"/>
+            </a:lnRef>
+            <a:fillRef idx="0">
+              <a:schemeClr val="accent1"/>
+            </a:fillRef>
+            <a:effectRef idx="0">
+              <a:schemeClr val="accent1"/>
+            </a:effectRef>
+            <a:fontRef idx="minor">
+              <a:schemeClr val="tx1"/>
+            </a:fontRef>
+          </p:style>
+        </p:cxnSp>
+        <p:cxnSp>
+          <p:nvCxnSpPr>
+            <p:cNvPr id="37" name="직선 연결선 36"/>
+            <p:cNvCxnSpPr/>
+            <p:nvPr/>
+          </p:nvCxnSpPr>
+          <p:spPr>
+            <a:xfrm>
+              <a:off x="1404969" y="4192825"/>
+              <a:ext cx="130114" cy="0"/>
+            </a:xfrm>
+            <a:prstGeom prst="line">
+              <a:avLst/>
+            </a:prstGeom>
+            <a:ln w="28575" cap="rnd">
+              <a:solidFill>
+                <a:schemeClr val="tx1">
+                  <a:lumMod val="75000"/>
+                  <a:lumOff val="25000"/>
+                </a:schemeClr>
+              </a:solidFill>
+            </a:ln>
+          </p:spPr>
+          <p:style>
+            <a:lnRef idx="1">
+              <a:schemeClr val="accent1"/>
+            </a:lnRef>
+            <a:fillRef idx="0">
+              <a:schemeClr val="accent1"/>
+            </a:fillRef>
+            <a:effectRef idx="0">
+              <a:schemeClr val="accent1"/>
+            </a:effectRef>
+            <a:fontRef idx="minor">
+              <a:schemeClr val="tx1"/>
+            </a:fontRef>
+          </p:style>
+        </p:cxnSp>
+        <p:cxnSp>
+          <p:nvCxnSpPr>
+            <p:cNvPr id="38" name="직선 연결선 37"/>
+            <p:cNvCxnSpPr/>
+            <p:nvPr/>
+          </p:nvCxnSpPr>
+          <p:spPr>
+            <a:xfrm>
+              <a:off x="1404969" y="4439293"/>
+              <a:ext cx="130114" cy="0"/>
+            </a:xfrm>
+            <a:prstGeom prst="line">
+              <a:avLst/>
+            </a:prstGeom>
+            <a:ln w="28575" cap="rnd">
+              <a:solidFill>
+                <a:schemeClr val="tx1">
+                  <a:lumMod val="75000"/>
+                  <a:lumOff val="25000"/>
+                </a:schemeClr>
+              </a:solidFill>
+            </a:ln>
+          </p:spPr>
+          <p:style>
+            <a:lnRef idx="1">
+              <a:schemeClr val="accent1"/>
+            </a:lnRef>
+            <a:fillRef idx="0">
+              <a:schemeClr val="accent1"/>
+            </a:fillRef>
+            <a:effectRef idx="0">
+              <a:schemeClr val="accent1"/>
+            </a:effectRef>
+            <a:fontRef idx="minor">
+              <a:schemeClr val="tx1"/>
+            </a:fontRef>
+          </p:style>
+        </p:cxnSp>
+        <p:cxnSp>
+          <p:nvCxnSpPr>
+            <p:cNvPr id="39" name="직선 연결선 38"/>
+            <p:cNvCxnSpPr/>
+            <p:nvPr/>
+          </p:nvCxnSpPr>
+          <p:spPr>
+            <a:xfrm>
+              <a:off x="1404969" y="4685761"/>
+              <a:ext cx="130114" cy="0"/>
+            </a:xfrm>
+            <a:prstGeom prst="line">
+              <a:avLst/>
+            </a:prstGeom>
+            <a:ln w="28575" cap="rnd">
+              <a:solidFill>
+                <a:schemeClr val="tx1">
+                  <a:lumMod val="75000"/>
+                  <a:lumOff val="25000"/>
+                </a:schemeClr>
+              </a:solidFill>
+            </a:ln>
+          </p:spPr>
+          <p:style>
+            <a:lnRef idx="1">
+              <a:schemeClr val="accent1"/>
+            </a:lnRef>
+            <a:fillRef idx="0">
+              <a:schemeClr val="accent1"/>
+            </a:fillRef>
+            <a:effectRef idx="0">
+              <a:schemeClr val="accent1"/>
+            </a:effectRef>
+            <a:fontRef idx="minor">
+              <a:schemeClr val="tx1"/>
+            </a:fontRef>
+          </p:style>
+        </p:cxnSp>
+        <p:cxnSp>
+          <p:nvCxnSpPr>
+            <p:cNvPr id="40" name="직선 연결선 39"/>
+            <p:cNvCxnSpPr/>
+            <p:nvPr/>
+          </p:nvCxnSpPr>
+          <p:spPr>
+            <a:xfrm>
+              <a:off x="1404969" y="4932229"/>
+              <a:ext cx="130114" cy="0"/>
+            </a:xfrm>
+            <a:prstGeom prst="line">
+              <a:avLst/>
+            </a:prstGeom>
+            <a:ln w="28575" cap="rnd">
+              <a:solidFill>
+                <a:schemeClr val="tx1">
+                  <a:lumMod val="75000"/>
+                  <a:lumOff val="25000"/>
+                </a:schemeClr>
+              </a:solidFill>
+            </a:ln>
+          </p:spPr>
+          <p:style>
+            <a:lnRef idx="1">
+              <a:schemeClr val="accent1"/>
+            </a:lnRef>
+            <a:fillRef idx="0">
+              <a:schemeClr val="accent1"/>
+            </a:fillRef>
+            <a:effectRef idx="0">
+              <a:schemeClr val="accent1"/>
+            </a:effectRef>
+            <a:fontRef idx="minor">
+              <a:schemeClr val="tx1"/>
+            </a:fontRef>
+          </p:style>
+        </p:cxnSp>
+      </p:grpSp>
+      <p:sp>
+        <p:nvSpPr>
+          <p:cNvPr id="42" name="Rectangle 3"/>
+          <p:cNvSpPr txBox="1">
+            <a:spLocks noChangeArrowheads="1"/>
+          </p:cNvSpPr>
+          <p:nvPr/>
+        </p:nvSpPr>
+        <p:spPr bwMode="auto">
+          <a:xfrm>
+            <a:off x="6274983" y="2084436"/>
+            <a:ext cx="1969425" cy="1957459"/>
+          </a:xfrm>
+          <a:prstGeom prst="rect">
+            <a:avLst/>
+          </a:prstGeom>
+        </p:spPr>
+        <p:txBody>
+          <a:bodyPr wrap="square" lIns="0" tIns="0" rIns="0" bIns="0" anchor="t" anchorCtr="0">
+            <a:spAutoFit/>
+          </a:bodyPr>
+          <a:lstStyle>
+            <a:lvl1pPr marL="342900" indent="-342900" eaLnBrk="0" hangingPunct="0">
+              <a:spcBef>
+                <a:spcPct val="20000"/>
+              </a:spcBef>
+              <a:buFont typeface="Arial" charset="0"/>
+              <a:buNone/>
+              <a:defRPr lang="en-US" altLang="ko-KR" sz="2000" dirty="0" smtClean="0">
+                <a:latin typeface="Microsoft Sans Serif" pitchFamily="34" charset="0"/>
+                <a:ea typeface="+mj-ea"/>
+                <a:cs typeface="Microsoft Sans Serif" pitchFamily="34" charset="0"/>
+              </a:defRPr>
+            </a:lvl1pPr>
+            <a:lvl2pPr marL="742950" indent="-285750" eaLnBrk="0" hangingPunct="0">
+              <a:spcBef>
+                <a:spcPct val="20000"/>
+              </a:spcBef>
+              <a:buFont typeface="Arial" charset="0"/>
+              <a:buChar char="–"/>
+              <a:defRPr sz="2800">
+                <a:latin typeface="+mn-lt"/>
+                <a:ea typeface="+mn-ea"/>
+              </a:defRPr>
+            </a:lvl2pPr>
+            <a:lvl3pPr marL="1143000" indent="-228600" eaLnBrk="0" hangingPunct="0">
+              <a:spcBef>
+                <a:spcPct val="20000"/>
+              </a:spcBef>
+              <a:buFont typeface="Arial" charset="0"/>
+              <a:buChar char="•"/>
+              <a:defRPr sz="2400">
+                <a:latin typeface="+mn-lt"/>
+                <a:ea typeface="+mn-ea"/>
+              </a:defRPr>
+            </a:lvl3pPr>
+            <a:lvl4pPr marL="1600200" indent="-228600" eaLnBrk="0" hangingPunct="0">
+              <a:spcBef>
+                <a:spcPct val="20000"/>
+              </a:spcBef>
+              <a:buFont typeface="Arial" charset="0"/>
+              <a:buChar char="–"/>
+              <a:defRPr sz="2000">
+                <a:latin typeface="+mn-lt"/>
+                <a:ea typeface="+mn-ea"/>
+              </a:defRPr>
+            </a:lvl4pPr>
+            <a:lvl5pPr marL="2057400" indent="-228600" eaLnBrk="0" hangingPunct="0">
+              <a:spcBef>
+                <a:spcPct val="20000"/>
+              </a:spcBef>
+              <a:buFont typeface="Arial" charset="0"/>
+              <a:buChar char="»"/>
+              <a:defRPr sz="2000">
+                <a:latin typeface="+mn-lt"/>
+                <a:ea typeface="+mn-ea"/>
+              </a:defRPr>
+            </a:lvl5pPr>
+            <a:lvl6pPr marL="2514600" indent="-228600">
+              <a:spcBef>
+                <a:spcPct val="20000"/>
+              </a:spcBef>
+              <a:buFont typeface="Arial" pitchFamily="34" charset="0"/>
+              <a:buChar char="•"/>
+              <a:defRPr sz="2000">
+                <a:latin typeface="+mn-lt"/>
+                <a:ea typeface="+mn-ea"/>
+              </a:defRPr>
+            </a:lvl6pPr>
+            <a:lvl7pPr marL="2971800" indent="-228600">
+              <a:spcBef>
+                <a:spcPct val="20000"/>
+              </a:spcBef>
+              <a:buFont typeface="Arial" pitchFamily="34" charset="0"/>
+              <a:buChar char="•"/>
+              <a:defRPr sz="2000">
+                <a:latin typeface="+mn-lt"/>
+                <a:ea typeface="+mn-ea"/>
+              </a:defRPr>
+            </a:lvl7pPr>
+            <a:lvl8pPr marL="3429000" indent="-228600">
+              <a:spcBef>
+                <a:spcPct val="20000"/>
+              </a:spcBef>
+              <a:buFont typeface="Arial" pitchFamily="34" charset="0"/>
+              <a:buChar char="•"/>
+              <a:defRPr sz="2000">
+                <a:latin typeface="+mn-lt"/>
+                <a:ea typeface="+mn-ea"/>
+              </a:defRPr>
+            </a:lvl8pPr>
+            <a:lvl9pPr marL="3886200" indent="-228600">
+              <a:spcBef>
+                <a:spcPct val="20000"/>
+              </a:spcBef>
+              <a:buFont typeface="Arial" pitchFamily="34" charset="0"/>
+              <a:buChar char="•"/>
+              <a:defRPr sz="2000">
+                <a:latin typeface="+mn-lt"/>
+                <a:ea typeface="+mn-ea"/>
+              </a:defRPr>
+            </a:lvl9pPr>
+          </a:lstStyle>
+          <a:p>
+            <a:pPr marL="285750" indent="-285750">
+              <a:buFont typeface="Arial"/>
+              <a:buChar char="•"/>
+              <a:defRPr/>
+            </a:pPr>
+            <a:r>
+              <a:rPr lang="en-US" sz="1200">
+                <a:solidFill>
+                  <a:srgbClr val="0D0D0D"/>
+                </a:solidFill>
+                <a:latin typeface="Microsoft Sans Serif"/>
+                <a:ea typeface="Microsoft Sans Serif"/>
+                <a:cs typeface="Microsoft Sans Serif"/>
+              </a:rPr>
+              <a:t>Pregnancy-induced hypertension</a:t>
+            </a:r>
+            <a:endParaRPr lang="en-US"/>
+          </a:p>
+          <a:p>
+            <a:pPr marL="285750" indent="-285750">
+              <a:buFont typeface="Arial"/>
+              <a:buChar char="•"/>
+              <a:defRPr/>
+            </a:pPr>
+            <a:r>
+              <a:rPr lang="en-US" sz="1200">
+                <a:solidFill>
+                  <a:srgbClr val="0D0D0D"/>
+                </a:solidFill>
+                <a:latin typeface="Microsoft Sans Serif"/>
+                <a:ea typeface="Microsoft Sans Serif"/>
+                <a:cs typeface="Microsoft Sans Serif"/>
+              </a:rPr>
+              <a:t>Pregnancy-induced high blood pressure disorder</a:t>
+            </a:r>
+            <a:endParaRPr lang="en-US"/>
+          </a:p>
+          <a:p>
+            <a:pPr marL="285750" indent="-285750">
+              <a:buFont typeface="Arial"/>
+              <a:buChar char="•"/>
+              <a:defRPr/>
+            </a:pPr>
+            <a:r>
+              <a:rPr lang="en-US" sz="1200">
+                <a:solidFill>
+                  <a:srgbClr val="0D0D0D"/>
+                </a:solidFill>
+                <a:latin typeface="Microsoft Sans Serif"/>
+                <a:ea typeface="Microsoft Sans Serif"/>
+                <a:cs typeface="Microsoft Sans Serif"/>
+              </a:rPr>
+              <a:t>Increased risk of preterm birth</a:t>
+            </a:r>
+            <a:endParaRPr lang="en-US"/>
+          </a:p>
+          <a:p>
+            <a:pPr marL="285750" indent="-285750">
+              <a:buFont typeface="Arial"/>
+              <a:buChar char="•"/>
+              <a:defRPr/>
+            </a:pPr>
+            <a:r>
+              <a:rPr lang="en-US" sz="1200">
+                <a:solidFill>
+                  <a:srgbClr val="0D0D0D"/>
+                </a:solidFill>
+                <a:latin typeface="Microsoft Sans Serif"/>
+                <a:ea typeface="Microsoft Sans Serif"/>
+                <a:cs typeface="Microsoft Sans Serif"/>
+              </a:rPr>
+              <a:t>Increased risk of threatened miscarriage or miscarriage</a:t>
+            </a:r>
+            <a:endParaRPr/>
+          </a:p>
+          <a:p>
+            <a:pPr marL="0" indent="0">
+              <a:defRPr/>
+            </a:pPr>
+            <a:endParaRPr lang="en-US" altLang="ko-KR" sz="1000">
+              <a:latin typeface="Calibri" panose="020F0502020204030204" pitchFamily="34" charset="0"/>
+              <a:ea typeface="Tahoma" pitchFamily="34" charset="0"/>
+              <a:cs typeface="Tahoma" pitchFamily="34" charset="0"/>
+            </a:endParaRPr>
+          </a:p>
+        </p:txBody>
+      </p:sp>
+      <p:sp>
+        <p:nvSpPr>
+          <p:cNvPr id="44" name="speed"/>
+          <p:cNvSpPr txBox="1">
+            <a:spLocks noChangeArrowheads="1"/>
+          </p:cNvSpPr>
+          <p:nvPr/>
+        </p:nvSpPr>
+        <p:spPr bwMode="auto">
+          <a:xfrm>
+            <a:off x="6287014" y="1570414"/>
+            <a:ext cx="1797602" cy="443198"/>
+          </a:xfrm>
+          <a:prstGeom prst="rect">
+            <a:avLst/>
+          </a:prstGeom>
+          <a:noFill/>
+          <a:scene3d>
+            <a:camera prst="orthographicFront">
+              <a:rot lat="0" lon="0" rev="0"/>
+            </a:camera>
+            <a:lightRig rig="threePt" dir="t"/>
+          </a:scene3d>
+          <a:sp3d prstMaterial="matte">
+            <a:bevelT w="1270" h="1270"/>
+          </a:sp3d>
+        </p:spPr>
+        <p:txBody>
+          <a:bodyPr wrap="square" lIns="0" tIns="0" rIns="0" bIns="0" anchor="t" anchorCtr="0">
+            <a:spAutoFit/>
+            <a:sp3d/>
+          </a:bodyPr>
+          <a:lstStyle>
+            <a:defPPr>
+              <a:defRPr lang="ko-KR"/>
+            </a:defPPr>
+            <a:lvl1pPr algn="l" rtl="0" fontAlgn="base" latinLnBrk="1">
+              <a:spcBef>
+                <a:spcPct val="0"/>
+              </a:spcBef>
+              <a:spcAft>
+                <a:spcPct val="0"/>
+              </a:spcAft>
+              <a:defRPr kumimoji="1" kern="1200">
+                <a:solidFill>
+                  <a:schemeClr val="tx1"/>
+                </a:solidFill>
+                <a:latin typeface="굴림" pitchFamily="50" charset="-127"/>
+                <a:ea typeface="굴림" pitchFamily="50" charset="-127"/>
+                <a:cs typeface="+mn-cs"/>
+              </a:defRPr>
+            </a:lvl1pPr>
+            <a:lvl2pPr marL="457200" algn="l" rtl="0" fontAlgn="base" latinLnBrk="1">
+              <a:spcBef>
+                <a:spcPct val="0"/>
+              </a:spcBef>
+              <a:spcAft>
+                <a:spcPct val="0"/>
+              </a:spcAft>
+              <a:defRPr kumimoji="1" kern="1200">
+                <a:solidFill>
+                  <a:schemeClr val="tx1"/>
+                </a:solidFill>
+                <a:latin typeface="굴림" pitchFamily="50" charset="-127"/>
+                <a:ea typeface="굴림" pitchFamily="50" charset="-127"/>
+                <a:cs typeface="+mn-cs"/>
+              </a:defRPr>
+            </a:lvl2pPr>
+            <a:lvl3pPr marL="914400" algn="l" rtl="0" fontAlgn="base" latinLnBrk="1">
+              <a:spcBef>
+                <a:spcPct val="0"/>
+              </a:spcBef>
+              <a:spcAft>
+                <a:spcPct val="0"/>
+              </a:spcAft>
+              <a:defRPr kumimoji="1" kern="1200">
+                <a:solidFill>
+                  <a:schemeClr val="tx1"/>
+                </a:solidFill>
+                <a:latin typeface="굴림" pitchFamily="50" charset="-127"/>
+                <a:ea typeface="굴림" pitchFamily="50" charset="-127"/>
+                <a:cs typeface="+mn-cs"/>
+              </a:defRPr>
+            </a:lvl3pPr>
+            <a:lvl4pPr marL="1371600" algn="l" rtl="0" fontAlgn="base" latinLnBrk="1">
+              <a:spcBef>
+                <a:spcPct val="0"/>
+              </a:spcBef>
+              <a:spcAft>
+                <a:spcPct val="0"/>
+              </a:spcAft>
+              <a:defRPr kumimoji="1" kern="1200">
+                <a:solidFill>
+                  <a:schemeClr val="tx1"/>
+                </a:solidFill>
+                <a:latin typeface="굴림" pitchFamily="50" charset="-127"/>
+                <a:ea typeface="굴림" pitchFamily="50" charset="-127"/>
+                <a:cs typeface="+mn-cs"/>
+              </a:defRPr>
+            </a:lvl4pPr>
+            <a:lvl5pPr marL="1828800" algn="l" rtl="0" fontAlgn="base" latinLnBrk="1">
+              <a:spcBef>
+                <a:spcPct val="0"/>
+              </a:spcBef>
+              <a:spcAft>
+                <a:spcPct val="0"/>
+              </a:spcAft>
+              <a:defRPr kumimoji="1" kern="1200">
+                <a:solidFill>
+                  <a:schemeClr val="tx1"/>
+                </a:solidFill>
+                <a:latin typeface="굴림" pitchFamily="50" charset="-127"/>
+                <a:ea typeface="굴림" pitchFamily="50" charset="-127"/>
+                <a:cs typeface="+mn-cs"/>
+              </a:defRPr>
+            </a:lvl5pPr>
+            <a:lvl6pPr marL="2286000" algn="l" defTabSz="914400" rtl="0" eaLnBrk="1" latinLnBrk="1" hangingPunct="1">
+              <a:defRPr kumimoji="1" kern="1200">
+                <a:solidFill>
+                  <a:schemeClr val="tx1"/>
+                </a:solidFill>
+                <a:latin typeface="굴림" pitchFamily="50" charset="-127"/>
+                <a:ea typeface="굴림" pitchFamily="50" charset="-127"/>
+                <a:cs typeface="+mn-cs"/>
+              </a:defRPr>
+            </a:lvl6pPr>
+            <a:lvl7pPr marL="2743200" algn="l" defTabSz="914400" rtl="0" eaLnBrk="1" latinLnBrk="1" hangingPunct="1">
+              <a:defRPr kumimoji="1" kern="1200">
+                <a:solidFill>
+                  <a:schemeClr val="tx1"/>
+                </a:solidFill>
+                <a:latin typeface="굴림" pitchFamily="50" charset="-127"/>
+                <a:ea typeface="굴림" pitchFamily="50" charset="-127"/>
+                <a:cs typeface="+mn-cs"/>
+              </a:defRPr>
+            </a:lvl7pPr>
+            <a:lvl8pPr marL="3200400" algn="l" defTabSz="914400" rtl="0" eaLnBrk="1" latinLnBrk="1" hangingPunct="1">
+              <a:defRPr kumimoji="1" kern="1200">
+                <a:solidFill>
+                  <a:schemeClr val="tx1"/>
+                </a:solidFill>
+                <a:latin typeface="굴림" pitchFamily="50" charset="-127"/>
+                <a:ea typeface="굴림" pitchFamily="50" charset="-127"/>
+                <a:cs typeface="+mn-cs"/>
+              </a:defRPr>
+            </a:lvl8pPr>
+            <a:lvl9pPr marL="3657600" algn="l" defTabSz="914400" rtl="0" eaLnBrk="1" latinLnBrk="1" hangingPunct="1">
+              <a:defRPr kumimoji="1" kern="1200">
+                <a:solidFill>
+                  <a:schemeClr val="tx1"/>
+                </a:solidFill>
+                <a:latin typeface="굴림" pitchFamily="50" charset="-127"/>
+                <a:ea typeface="굴림" pitchFamily="50" charset="-127"/>
+                <a:cs typeface="+mn-cs"/>
+              </a:defRPr>
+            </a:lvl9pPr>
+          </a:lstStyle>
+          <a:p>
+            <a:pPr>
+              <a:lnSpc>
+                <a:spcPct val="90000"/>
+              </a:lnSpc>
+              <a:defRPr/>
+            </a:pPr>
+            <a:r>
+              <a:rPr lang="en-US" altLang="ko-KR" sz="3200" b="1">
+                <a:solidFill>
+                  <a:srgbClr val="FF6F89"/>
+                </a:solidFill>
+                <a:latin typeface="Calibri"/>
+                <a:ea typeface="Tahoma"/>
+                <a:cs typeface="Tahoma"/>
+              </a:rPr>
+              <a:t>&gt;200pm</a:t>
+            </a:r>
+            <a:endParaRPr lang="en-US"/>
+          </a:p>
+        </p:txBody>
+      </p:sp>
+      <p:cxnSp>
+        <p:nvCxnSpPr>
+          <p:cNvPr id="46" name="직선 연결선 45"/>
+          <p:cNvCxnSpPr/>
+          <p:nvPr/>
+        </p:nvCxnSpPr>
+        <p:spPr>
+          <a:xfrm>
+            <a:off x="4579002" y="1500633"/>
+            <a:ext cx="0" cy="3284646"/>
+          </a:xfrm>
+          <a:prstGeom prst="line">
+            <a:avLst/>
+          </a:prstGeom>
+          <a:ln>
+            <a:solidFill>
+              <a:schemeClr val="tx1">
+                <a:lumMod val="50000"/>
+                <a:lumOff val="50000"/>
+              </a:schemeClr>
+            </a:solidFill>
+            <a:prstDash val="sysDash"/>
+          </a:ln>
+        </p:spPr>
+        <p:style>
+          <a:lnRef idx="1">
+            <a:schemeClr val="accent1"/>
+          </a:lnRef>
+          <a:fillRef idx="0">
+            <a:schemeClr val="accent1"/>
+          </a:fillRef>
+          <a:effectRef idx="0">
+            <a:schemeClr val="accent1"/>
+          </a:effectRef>
+          <a:fontRef idx="minor">
+            <a:schemeClr val="tx1"/>
+          </a:fontRef>
+        </p:style>
+      </p:cxnSp>
+      <p:sp>
+        <p:nvSpPr>
+          <p:cNvPr id="4" name="speed">
+            <a:extLst>
+              <a:ext uri="{FF2B5EF4-FFF2-40B4-BE49-F238E27FC236}">
+                <a16:creationId xmlns:a16="http://schemas.microsoft.com/office/drawing/2014/main" id="{1AAB474C-ED64-68B7-D64D-37713491CC25}"/>
+              </a:ext>
+            </a:extLst>
+          </p:cNvPr>
+          <p:cNvSpPr txBox="1">
+            <a:spLocks noChangeArrowheads="1"/>
+          </p:cNvSpPr>
+          <p:nvPr/>
+        </p:nvSpPr>
+        <p:spPr bwMode="auto">
+          <a:xfrm>
+            <a:off x="4861597" y="1286192"/>
+            <a:ext cx="1957394" cy="332399"/>
+          </a:xfrm>
+          <a:prstGeom prst="rect">
+            <a:avLst/>
+          </a:prstGeom>
+          <a:noFill/>
+          <a:scene3d>
+            <a:camera prst="orthographicFront">
+              <a:rot lat="0" lon="0" rev="0"/>
+            </a:camera>
+            <a:lightRig rig="threePt" dir="t"/>
+          </a:scene3d>
+          <a:sp3d prstMaterial="matte">
+            <a:bevelT w="1270" h="1270"/>
+          </a:sp3d>
+        </p:spPr>
+        <p:txBody>
+          <a:bodyPr wrap="square" lIns="0" tIns="0" rIns="0" bIns="0" anchor="t" anchorCtr="0">
+            <a:spAutoFit/>
+            <a:sp3d/>
+          </a:bodyPr>
+          <a:lstStyle>
+            <a:defPPr>
+              <a:defRPr lang="ko-KR"/>
+            </a:defPPr>
+            <a:lvl1pPr algn="l" rtl="0" fontAlgn="base" latinLnBrk="1">
+              <a:spcBef>
+                <a:spcPct val="0"/>
+              </a:spcBef>
+              <a:spcAft>
+                <a:spcPct val="0"/>
+              </a:spcAft>
+              <a:defRPr kumimoji="1" kern="1200">
+                <a:solidFill>
+                  <a:schemeClr val="tx1"/>
+                </a:solidFill>
+                <a:latin typeface="굴림" pitchFamily="50" charset="-127"/>
+                <a:ea typeface="굴림" pitchFamily="50" charset="-127"/>
+                <a:cs typeface="+mn-cs"/>
+              </a:defRPr>
+            </a:lvl1pPr>
+            <a:lvl2pPr marL="457200" algn="l" rtl="0" fontAlgn="base" latinLnBrk="1">
+              <a:spcBef>
+                <a:spcPct val="0"/>
+              </a:spcBef>
+              <a:spcAft>
+                <a:spcPct val="0"/>
+              </a:spcAft>
+              <a:defRPr kumimoji="1" kern="1200">
+                <a:solidFill>
+                  <a:schemeClr val="tx1"/>
+                </a:solidFill>
+                <a:latin typeface="굴림" pitchFamily="50" charset="-127"/>
+                <a:ea typeface="굴림" pitchFamily="50" charset="-127"/>
+                <a:cs typeface="+mn-cs"/>
+              </a:defRPr>
+            </a:lvl2pPr>
+            <a:lvl3pPr marL="914400" algn="l" rtl="0" fontAlgn="base" latinLnBrk="1">
+              <a:spcBef>
+                <a:spcPct val="0"/>
+              </a:spcBef>
+              <a:spcAft>
+                <a:spcPct val="0"/>
+              </a:spcAft>
+              <a:defRPr kumimoji="1" kern="1200">
+                <a:solidFill>
+                  <a:schemeClr val="tx1"/>
+                </a:solidFill>
+                <a:latin typeface="굴림" pitchFamily="50" charset="-127"/>
+                <a:ea typeface="굴림" pitchFamily="50" charset="-127"/>
+                <a:cs typeface="+mn-cs"/>
+              </a:defRPr>
+            </a:lvl3pPr>
+            <a:lvl4pPr marL="1371600" algn="l" rtl="0" fontAlgn="base" latinLnBrk="1">
+              <a:spcBef>
+                <a:spcPct val="0"/>
+              </a:spcBef>
+              <a:spcAft>
+                <a:spcPct val="0"/>
+              </a:spcAft>
+              <a:defRPr kumimoji="1" kern="1200">
+                <a:solidFill>
+                  <a:schemeClr val="tx1"/>
+                </a:solidFill>
+                <a:latin typeface="굴림" pitchFamily="50" charset="-127"/>
+                <a:ea typeface="굴림" pitchFamily="50" charset="-127"/>
+                <a:cs typeface="+mn-cs"/>
+              </a:defRPr>
+            </a:lvl4pPr>
+            <a:lvl5pPr marL="1828800" algn="l" rtl="0" fontAlgn="base" latinLnBrk="1">
+              <a:spcBef>
+                <a:spcPct val="0"/>
+              </a:spcBef>
+              <a:spcAft>
+                <a:spcPct val="0"/>
+              </a:spcAft>
+              <a:defRPr kumimoji="1" kern="1200">
+                <a:solidFill>
+                  <a:schemeClr val="tx1"/>
+                </a:solidFill>
+                <a:latin typeface="굴림" pitchFamily="50" charset="-127"/>
+                <a:ea typeface="굴림" pitchFamily="50" charset="-127"/>
+                <a:cs typeface="+mn-cs"/>
+              </a:defRPr>
+            </a:lvl5pPr>
+            <a:lvl6pPr marL="2286000" algn="l" defTabSz="914400" rtl="0" eaLnBrk="1" latinLnBrk="1" hangingPunct="1">
+              <a:defRPr kumimoji="1" kern="1200">
+                <a:solidFill>
+                  <a:schemeClr val="tx1"/>
+                </a:solidFill>
+                <a:latin typeface="굴림" pitchFamily="50" charset="-127"/>
+                <a:ea typeface="굴림" pitchFamily="50" charset="-127"/>
+                <a:cs typeface="+mn-cs"/>
+              </a:defRPr>
+            </a:lvl6pPr>
+            <a:lvl7pPr marL="2743200" algn="l" defTabSz="914400" rtl="0" eaLnBrk="1" latinLnBrk="1" hangingPunct="1">
+              <a:defRPr kumimoji="1" kern="1200">
+                <a:solidFill>
+                  <a:schemeClr val="tx1"/>
+                </a:solidFill>
+                <a:latin typeface="굴림" pitchFamily="50" charset="-127"/>
+                <a:ea typeface="굴림" pitchFamily="50" charset="-127"/>
+                <a:cs typeface="+mn-cs"/>
+              </a:defRPr>
+            </a:lvl7pPr>
+            <a:lvl8pPr marL="3200400" algn="l" defTabSz="914400" rtl="0" eaLnBrk="1" latinLnBrk="1" hangingPunct="1">
+              <a:defRPr kumimoji="1" kern="1200">
+                <a:solidFill>
+                  <a:schemeClr val="tx1"/>
+                </a:solidFill>
+                <a:latin typeface="굴림" pitchFamily="50" charset="-127"/>
+                <a:ea typeface="굴림" pitchFamily="50" charset="-127"/>
+                <a:cs typeface="+mn-cs"/>
+              </a:defRPr>
+            </a:lvl8pPr>
+            <a:lvl9pPr marL="3657600" algn="l" defTabSz="914400" rtl="0" eaLnBrk="1" latinLnBrk="1" hangingPunct="1">
+              <a:defRPr kumimoji="1" kern="1200">
+                <a:solidFill>
+                  <a:schemeClr val="tx1"/>
+                </a:solidFill>
+                <a:latin typeface="굴림" pitchFamily="50" charset="-127"/>
+                <a:ea typeface="굴림" pitchFamily="50" charset="-127"/>
+                <a:cs typeface="+mn-cs"/>
+              </a:defRPr>
+            </a:lvl9pPr>
+          </a:lstStyle>
+          <a:p>
+            <a:pPr>
+              <a:lnSpc>
+                <a:spcPct val="90000"/>
+              </a:lnSpc>
+              <a:defRPr/>
+            </a:pPr>
+            <a:r>
+              <a:rPr lang="en-US" sz="1200" b="1">
+                <a:solidFill>
+                  <a:srgbClr val="000000"/>
+                </a:solidFill>
+                <a:latin typeface="Calibri"/>
+                <a:ea typeface="Calibri"/>
+                <a:cs typeface="Calibri"/>
+              </a:rPr>
+              <a:t>Hormone Concentration</a:t>
+            </a:r>
+          </a:p>
+          <a:p>
+            <a:pPr>
+              <a:lnSpc>
+                <a:spcPct val="90000"/>
+              </a:lnSpc>
+              <a:defRPr/>
+            </a:pPr>
+            <a:endParaRPr lang="en-US" altLang="ko-KR" sz="1200" b="1">
+              <a:latin typeface="Calibri"/>
+              <a:ea typeface="Tahoma"/>
+              <a:cs typeface="Tahoma"/>
+            </a:endParaRPr>
+          </a:p>
+        </p:txBody>
+      </p:sp>
+    </p:spTree>
+    <p:extLst>
+      <p:ext uri="{BB962C8B-B14F-4D97-AF65-F5344CB8AC3E}">
+        <p14:creationId xmlns:p14="http://schemas.microsoft.com/office/powerpoint/2010/main" val="2373116362"/>
+      </p:ext>
+    </p:extLst>
+  </p:cSld>
+  <p:clrMapOvr>
+    <a:masterClrMapping/>
+  </p:clrMapOvr>
+</p:sld>
+</file>
+
+<file path=ppt/slides/slide15.xml><?xml version="1.0" encoding="utf-8"?>
+<p:sld xmlns:a="http://schemas.openxmlformats.org/drawingml/2006/main" xmlns:r="http://schemas.openxmlformats.org/officeDocument/2006/relationships" xmlns:p="http://schemas.openxmlformats.org/presentationml/2006/main">
+  <p:cSld>
+    <p:spTree>
+      <p:nvGrpSpPr>
+        <p:cNvPr id="1" name=""/>
+        <p:cNvGrpSpPr/>
+        <p:nvPr/>
+      </p:nvGrpSpPr>
+      <p:grpSpPr>
+        <a:xfrm>
+          <a:off x="0" y="0"/>
+          <a:ext cx="0" cy="0"/>
+          <a:chOff x="0" y="0"/>
+          <a:chExt cx="0" cy="0"/>
+        </a:xfrm>
+      </p:grpSpPr>
+      <p:sp>
+        <p:nvSpPr>
+          <p:cNvPr id="2" name="텍스트 개체 틀 1"/>
+          <p:cNvSpPr>
+            <a:spLocks noGrp="1"/>
+          </p:cNvSpPr>
+          <p:nvPr>
             <p:ph type="body" sz="quarter" idx="10"/>
           </p:nvPr>
         </p:nvSpPr>
@@ -23547,7 +26217,7 @@
 </p:sld>
 </file>
 
-<file path=ppt/slides/slide15.xml><?xml version="1.0" encoding="utf-8"?>
+<file path=ppt/slides/slide16.xml><?xml version="1.0" encoding="utf-8"?>
 <p:sld xmlns:a="http://schemas.openxmlformats.org/drawingml/2006/main" xmlns:r="http://schemas.openxmlformats.org/officeDocument/2006/relationships" xmlns:p="http://schemas.openxmlformats.org/presentationml/2006/main">
   <p:cSld>
     <p:spTree>
@@ -27598,7 +30268,7 @@
 </p:sld>
 </file>
 
-<file path=ppt/slides/slide16.xml><?xml version="1.0" encoding="utf-8"?>
+<file path=ppt/slides/slide17.xml><?xml version="1.0" encoding="utf-8"?>
 <p:sld xmlns:a="http://schemas.openxmlformats.org/drawingml/2006/main" xmlns:r="http://schemas.openxmlformats.org/officeDocument/2006/relationships" xmlns:p="http://schemas.openxmlformats.org/presentationml/2006/main">
   <p:cSld>
     <p:spTree>
@@ -28937,7 +31607,7 @@
 </p:sld>
 </file>
 
-<file path=ppt/slides/slide17.xml><?xml version="1.0" encoding="utf-8"?>
+<file path=ppt/slides/slide18.xml><?xml version="1.0" encoding="utf-8"?>
 <p:sld xmlns:a="http://schemas.openxmlformats.org/drawingml/2006/main" xmlns:r="http://schemas.openxmlformats.org/officeDocument/2006/relationships" xmlns:p="http://schemas.openxmlformats.org/presentationml/2006/main">
   <p:cSld>
     <p:spTree>
@@ -30193,7 +32863,7 @@
 </p:sld>
 </file>
 
-<file path=ppt/slides/slide18.xml><?xml version="1.0" encoding="utf-8"?>
+<file path=ppt/slides/slide19.xml><?xml version="1.0" encoding="utf-8"?>
 <p:sld xmlns:a="http://schemas.openxmlformats.org/drawingml/2006/main" xmlns:r="http://schemas.openxmlformats.org/officeDocument/2006/relationships" xmlns:p="http://schemas.openxmlformats.org/presentationml/2006/main">
   <p:cSld>
     <p:spTree>
@@ -30732,7 +33402,232 @@
 </p:sld>
 </file>
 
-<file path=ppt/slides/slide19.xml><?xml version="1.0" encoding="utf-8"?>
+<file path=ppt/slides/slide2.xml><?xml version="1.0" encoding="utf-8"?>
+<p:sld xmlns:a="http://schemas.openxmlformats.org/drawingml/2006/main" xmlns:r="http://schemas.openxmlformats.org/officeDocument/2006/relationships" xmlns:p="http://schemas.openxmlformats.org/presentationml/2006/main">
+  <p:cSld>
+    <p:spTree>
+      <p:nvGrpSpPr>
+        <p:cNvPr id="1" name=""/>
+        <p:cNvGrpSpPr/>
+        <p:nvPr/>
+      </p:nvGrpSpPr>
+      <p:grpSpPr>
+        <a:xfrm>
+          <a:off x="0" y="0"/>
+          <a:ext cx="0" cy="0"/>
+          <a:chOff x="0" y="0"/>
+          <a:chExt cx="0" cy="0"/>
+        </a:xfrm>
+      </p:grpSpPr>
+      <p:sp>
+        <p:nvSpPr>
+          <p:cNvPr id="2" name="텍스트 개체 틀 1"/>
+          <p:cNvSpPr>
+            <a:spLocks noGrp="1"/>
+          </p:cNvSpPr>
+          <p:nvPr>
+            <p:ph type="body" sz="quarter" idx="10"/>
+          </p:nvPr>
+        </p:nvSpPr>
+        <p:spPr/>
+        <p:txBody>
+          <a:bodyPr/>
+          <a:lstStyle/>
+          <a:p>
+            <a:r>
+              <a:rPr lang="en-US" altLang="ko-KR"/>
+              <a:t>Index </a:t>
+            </a:r>
+            <a:endParaRPr lang="ko-KR" altLang="en-US"/>
+          </a:p>
+        </p:txBody>
+      </p:sp>
+      <p:sp>
+        <p:nvSpPr>
+          <p:cNvPr id="3" name="텍스트 개체 틀 2"/>
+          <p:cNvSpPr>
+            <a:spLocks noGrp="1"/>
+          </p:cNvSpPr>
+          <p:nvPr>
+            <p:ph type="body" sz="quarter" idx="11"/>
+          </p:nvPr>
+        </p:nvSpPr>
+        <p:spPr/>
+        <p:txBody>
+          <a:bodyPr lIns="0" tIns="0" rIns="0" bIns="0" anchor="t"/>
+          <a:lstStyle/>
+          <a:p>
+            <a:r>
+              <a:rPr lang="en-US" altLang="ko-KR" b="1">
+                <a:latin typeface="Calibri"/>
+                <a:ea typeface="맑은 고딕"/>
+                <a:cs typeface="Calibri"/>
+              </a:rPr>
+              <a:t>01</a:t>
+            </a:r>
+            <a:r>
+              <a:rPr lang="en-US" altLang="ko-KR">
+                <a:latin typeface="Calibri"/>
+                <a:ea typeface="맑은 고딕"/>
+                <a:cs typeface="Calibri"/>
+              </a:rPr>
+              <a:t>. An example-</a:t>
+            </a:r>
+            <a:r>
+              <a:rPr lang="en-US" altLang="ko-KR" err="1">
+                <a:latin typeface="Calibri"/>
+                <a:ea typeface="맑은 고딕"/>
+                <a:cs typeface="Calibri"/>
+              </a:rPr>
+              <a:t>Bloomlife</a:t>
+            </a:r>
+          </a:p>
+        </p:txBody>
+      </p:sp>
+      <p:sp>
+        <p:nvSpPr>
+          <p:cNvPr id="4" name="텍스트 개체 틀 3"/>
+          <p:cNvSpPr>
+            <a:spLocks noGrp="1"/>
+          </p:cNvSpPr>
+          <p:nvPr>
+            <p:ph type="body" sz="quarter" idx="12"/>
+          </p:nvPr>
+        </p:nvSpPr>
+        <p:spPr/>
+        <p:txBody>
+          <a:bodyPr lIns="0" tIns="0" rIns="0" bIns="0" anchor="t"/>
+          <a:lstStyle/>
+          <a:p>
+            <a:r>
+              <a:rPr lang="en-US" altLang="ko-KR" b="1">
+                <a:latin typeface="Calibri"/>
+                <a:ea typeface="맑은 고딕"/>
+                <a:cs typeface="Calibri"/>
+              </a:rPr>
+              <a:t>02</a:t>
+            </a:r>
+            <a:r>
+              <a:rPr lang="en-US" altLang="ko-KR">
+                <a:latin typeface="Calibri"/>
+                <a:ea typeface="맑은 고딕"/>
+                <a:cs typeface="Calibri"/>
+              </a:rPr>
+              <a:t>. Data</a:t>
+            </a:r>
+            <a:endParaRPr lang="en-US" altLang="ko-KR">
+              <a:ea typeface="맑은 고딕"/>
+              <a:cs typeface="Calibri"/>
+            </a:endParaRPr>
+          </a:p>
+        </p:txBody>
+      </p:sp>
+      <p:sp>
+        <p:nvSpPr>
+          <p:cNvPr id="5" name="텍스트 개체 틀 4"/>
+          <p:cNvSpPr>
+            <a:spLocks noGrp="1"/>
+          </p:cNvSpPr>
+          <p:nvPr>
+            <p:ph type="body" sz="quarter" idx="13"/>
+          </p:nvPr>
+        </p:nvSpPr>
+        <p:spPr/>
+        <p:txBody>
+          <a:bodyPr lIns="0" tIns="0" rIns="0" bIns="0" anchor="t"/>
+          <a:lstStyle/>
+          <a:p>
+            <a:r>
+              <a:rPr lang="en-US" altLang="ko-KR" b="1">
+                <a:latin typeface="Calibri"/>
+                <a:ea typeface="맑은 고딕"/>
+                <a:cs typeface="Calibri"/>
+              </a:rPr>
+              <a:t>03</a:t>
+            </a:r>
+            <a:r>
+              <a:rPr lang="en-US" altLang="ko-KR">
+                <a:latin typeface="Calibri"/>
+                <a:ea typeface="맑은 고딕"/>
+                <a:cs typeface="Calibri"/>
+              </a:rPr>
+              <a:t>. </a:t>
+            </a:r>
+            <a:r>
+              <a:rPr lang="en-US">
+                <a:latin typeface="Calibri"/>
+                <a:ea typeface="Calibri"/>
+                <a:cs typeface="Calibri"/>
+              </a:rPr>
+              <a:t>Options for additional sensors</a:t>
+            </a:r>
+            <a:endParaRPr lang="en-US" altLang="ko-KR">
+              <a:latin typeface="Calibri"/>
+              <a:ea typeface="맑은 고딕"/>
+              <a:cs typeface="Calibri"/>
+            </a:endParaRPr>
+          </a:p>
+        </p:txBody>
+      </p:sp>
+      <p:sp>
+        <p:nvSpPr>
+          <p:cNvPr id="6" name="텍스트 개체 틀 5"/>
+          <p:cNvSpPr>
+            <a:spLocks noGrp="1"/>
+          </p:cNvSpPr>
+          <p:nvPr>
+            <p:ph type="body" sz="quarter" idx="14"/>
+          </p:nvPr>
+        </p:nvSpPr>
+        <p:spPr/>
+        <p:txBody>
+          <a:bodyPr lIns="0" tIns="0" rIns="0" bIns="0" anchor="t"/>
+          <a:lstStyle/>
+          <a:p>
+            <a:r>
+              <a:rPr lang="en-US" altLang="ko-KR" b="1">
+                <a:latin typeface="Calibri"/>
+                <a:ea typeface="맑은 고딕"/>
+                <a:cs typeface="Calibri"/>
+              </a:rPr>
+              <a:t>04</a:t>
+            </a:r>
+            <a:r>
+              <a:rPr lang="en-US" altLang="ko-KR">
+                <a:latin typeface="Calibri"/>
+                <a:ea typeface="맑은 고딕"/>
+                <a:cs typeface="Calibri"/>
+              </a:rPr>
+              <a:t>. </a:t>
+            </a:r>
+            <a:r>
+              <a:rPr lang="en-US">
+                <a:solidFill>
+                  <a:srgbClr val="0D0D0D"/>
+                </a:solidFill>
+                <a:latin typeface="Calibri"/>
+                <a:cs typeface="Calibri"/>
+              </a:rPr>
+              <a:t>Limitations and Critical aspects</a:t>
+            </a:r>
+            <a:endParaRPr lang="ko-KR" altLang="en-US"/>
+          </a:p>
+        </p:txBody>
+      </p:sp>
+    </p:spTree>
+    <p:extLst>
+      <p:ext uri="{BB962C8B-B14F-4D97-AF65-F5344CB8AC3E}">
+        <p14:creationId xmlns:p14="http://schemas.microsoft.com/office/powerpoint/2010/main" val="552443885"/>
+      </p:ext>
+    </p:extLst>
+  </p:cSld>
+  <p:clrMapOvr>
+    <a:masterClrMapping/>
+  </p:clrMapOvr>
+</p:sld>
+</file>
+
+<file path=ppt/slides/slide20.xml><?xml version="1.0" encoding="utf-8"?>
 <p:sld xmlns:a="http://schemas.openxmlformats.org/drawingml/2006/main" xmlns:r="http://schemas.openxmlformats.org/officeDocument/2006/relationships" xmlns:p="http://schemas.openxmlformats.org/presentationml/2006/main">
   <p:cSld>
     <p:spTree>
@@ -30890,232 +33785,7 @@
 </p:sld>
 </file>
 
-<file path=ppt/slides/slide2.xml><?xml version="1.0" encoding="utf-8"?>
-<p:sld xmlns:a="http://schemas.openxmlformats.org/drawingml/2006/main" xmlns:r="http://schemas.openxmlformats.org/officeDocument/2006/relationships" xmlns:p="http://schemas.openxmlformats.org/presentationml/2006/main">
-  <p:cSld>
-    <p:spTree>
-      <p:nvGrpSpPr>
-        <p:cNvPr id="1" name=""/>
-        <p:cNvGrpSpPr/>
-        <p:nvPr/>
-      </p:nvGrpSpPr>
-      <p:grpSpPr>
-        <a:xfrm>
-          <a:off x="0" y="0"/>
-          <a:ext cx="0" cy="0"/>
-          <a:chOff x="0" y="0"/>
-          <a:chExt cx="0" cy="0"/>
-        </a:xfrm>
-      </p:grpSpPr>
-      <p:sp>
-        <p:nvSpPr>
-          <p:cNvPr id="2" name="텍스트 개체 틀 1"/>
-          <p:cNvSpPr>
-            <a:spLocks noGrp="1"/>
-          </p:cNvSpPr>
-          <p:nvPr>
-            <p:ph type="body" sz="quarter" idx="10"/>
-          </p:nvPr>
-        </p:nvSpPr>
-        <p:spPr/>
-        <p:txBody>
-          <a:bodyPr/>
-          <a:lstStyle/>
-          <a:p>
-            <a:r>
-              <a:rPr lang="en-US" altLang="ko-KR"/>
-              <a:t>Index </a:t>
-            </a:r>
-            <a:endParaRPr lang="ko-KR" altLang="en-US"/>
-          </a:p>
-        </p:txBody>
-      </p:sp>
-      <p:sp>
-        <p:nvSpPr>
-          <p:cNvPr id="3" name="텍스트 개체 틀 2"/>
-          <p:cNvSpPr>
-            <a:spLocks noGrp="1"/>
-          </p:cNvSpPr>
-          <p:nvPr>
-            <p:ph type="body" sz="quarter" idx="11"/>
-          </p:nvPr>
-        </p:nvSpPr>
-        <p:spPr/>
-        <p:txBody>
-          <a:bodyPr lIns="0" tIns="0" rIns="0" bIns="0" anchor="t"/>
-          <a:lstStyle/>
-          <a:p>
-            <a:r>
-              <a:rPr lang="en-US" altLang="ko-KR" b="1">
-                <a:latin typeface="Calibri"/>
-                <a:ea typeface="맑은 고딕"/>
-                <a:cs typeface="Calibri"/>
-              </a:rPr>
-              <a:t>01</a:t>
-            </a:r>
-            <a:r>
-              <a:rPr lang="en-US" altLang="ko-KR">
-                <a:latin typeface="Calibri"/>
-                <a:ea typeface="맑은 고딕"/>
-                <a:cs typeface="Calibri"/>
-              </a:rPr>
-              <a:t>. An example-</a:t>
-            </a:r>
-            <a:r>
-              <a:rPr lang="en-US" altLang="ko-KR" err="1">
-                <a:latin typeface="Calibri"/>
-                <a:ea typeface="맑은 고딕"/>
-                <a:cs typeface="Calibri"/>
-              </a:rPr>
-              <a:t>Bloomlife</a:t>
-            </a:r>
-          </a:p>
-        </p:txBody>
-      </p:sp>
-      <p:sp>
-        <p:nvSpPr>
-          <p:cNvPr id="4" name="텍스트 개체 틀 3"/>
-          <p:cNvSpPr>
-            <a:spLocks noGrp="1"/>
-          </p:cNvSpPr>
-          <p:nvPr>
-            <p:ph type="body" sz="quarter" idx="12"/>
-          </p:nvPr>
-        </p:nvSpPr>
-        <p:spPr/>
-        <p:txBody>
-          <a:bodyPr lIns="0" tIns="0" rIns="0" bIns="0" anchor="t"/>
-          <a:lstStyle/>
-          <a:p>
-            <a:r>
-              <a:rPr lang="en-US" altLang="ko-KR" b="1">
-                <a:latin typeface="Calibri"/>
-                <a:ea typeface="맑은 고딕"/>
-                <a:cs typeface="Calibri"/>
-              </a:rPr>
-              <a:t>02</a:t>
-            </a:r>
-            <a:r>
-              <a:rPr lang="en-US" altLang="ko-KR">
-                <a:latin typeface="Calibri"/>
-                <a:ea typeface="맑은 고딕"/>
-                <a:cs typeface="Calibri"/>
-              </a:rPr>
-              <a:t>. Data</a:t>
-            </a:r>
-            <a:endParaRPr lang="en-US" altLang="ko-KR">
-              <a:ea typeface="맑은 고딕"/>
-              <a:cs typeface="Calibri"/>
-            </a:endParaRPr>
-          </a:p>
-        </p:txBody>
-      </p:sp>
-      <p:sp>
-        <p:nvSpPr>
-          <p:cNvPr id="5" name="텍스트 개체 틀 4"/>
-          <p:cNvSpPr>
-            <a:spLocks noGrp="1"/>
-          </p:cNvSpPr>
-          <p:nvPr>
-            <p:ph type="body" sz="quarter" idx="13"/>
-          </p:nvPr>
-        </p:nvSpPr>
-        <p:spPr/>
-        <p:txBody>
-          <a:bodyPr lIns="0" tIns="0" rIns="0" bIns="0" anchor="t"/>
-          <a:lstStyle/>
-          <a:p>
-            <a:r>
-              <a:rPr lang="en-US" altLang="ko-KR" b="1">
-                <a:latin typeface="Calibri"/>
-                <a:ea typeface="맑은 고딕"/>
-                <a:cs typeface="Calibri"/>
-              </a:rPr>
-              <a:t>03</a:t>
-            </a:r>
-            <a:r>
-              <a:rPr lang="en-US" altLang="ko-KR">
-                <a:latin typeface="Calibri"/>
-                <a:ea typeface="맑은 고딕"/>
-                <a:cs typeface="Calibri"/>
-              </a:rPr>
-              <a:t>. </a:t>
-            </a:r>
-            <a:r>
-              <a:rPr lang="en-US">
-                <a:latin typeface="Calibri"/>
-                <a:ea typeface="Calibri"/>
-                <a:cs typeface="Calibri"/>
-              </a:rPr>
-              <a:t>Options for additional sensors</a:t>
-            </a:r>
-            <a:endParaRPr lang="en-US" altLang="ko-KR">
-              <a:latin typeface="Calibri"/>
-              <a:ea typeface="맑은 고딕"/>
-              <a:cs typeface="Calibri"/>
-            </a:endParaRPr>
-          </a:p>
-        </p:txBody>
-      </p:sp>
-      <p:sp>
-        <p:nvSpPr>
-          <p:cNvPr id="6" name="텍스트 개체 틀 5"/>
-          <p:cNvSpPr>
-            <a:spLocks noGrp="1"/>
-          </p:cNvSpPr>
-          <p:nvPr>
-            <p:ph type="body" sz="quarter" idx="14"/>
-          </p:nvPr>
-        </p:nvSpPr>
-        <p:spPr/>
-        <p:txBody>
-          <a:bodyPr lIns="0" tIns="0" rIns="0" bIns="0" anchor="t"/>
-          <a:lstStyle/>
-          <a:p>
-            <a:r>
-              <a:rPr lang="en-US" altLang="ko-KR" b="1">
-                <a:latin typeface="Calibri"/>
-                <a:ea typeface="맑은 고딕"/>
-                <a:cs typeface="Calibri"/>
-              </a:rPr>
-              <a:t>04</a:t>
-            </a:r>
-            <a:r>
-              <a:rPr lang="en-US" altLang="ko-KR">
-                <a:latin typeface="Calibri"/>
-                <a:ea typeface="맑은 고딕"/>
-                <a:cs typeface="Calibri"/>
-              </a:rPr>
-              <a:t>. </a:t>
-            </a:r>
-            <a:r>
-              <a:rPr lang="en-US">
-                <a:solidFill>
-                  <a:srgbClr val="0D0D0D"/>
-                </a:solidFill>
-                <a:latin typeface="Calibri"/>
-                <a:cs typeface="Calibri"/>
-              </a:rPr>
-              <a:t>Limitations and Critical aspects</a:t>
-            </a:r>
-            <a:endParaRPr lang="ko-KR" altLang="en-US"/>
-          </a:p>
-        </p:txBody>
-      </p:sp>
-    </p:spTree>
-    <p:extLst>
-      <p:ext uri="{BB962C8B-B14F-4D97-AF65-F5344CB8AC3E}">
-        <p14:creationId xmlns:p14="http://schemas.microsoft.com/office/powerpoint/2010/main" val="552443885"/>
-      </p:ext>
-    </p:extLst>
-  </p:cSld>
-  <p:clrMapOvr>
-    <a:masterClrMapping/>
-  </p:clrMapOvr>
-</p:sld>
-</file>
-
-<file path=ppt/slides/slide20.xml><?xml version="1.0" encoding="utf-8"?>
+<file path=ppt/slides/slide21.xml><?xml version="1.0" encoding="utf-8"?>
 <p:sld xmlns:a="http://schemas.openxmlformats.org/drawingml/2006/main" xmlns:r="http://schemas.openxmlformats.org/officeDocument/2006/relationships" xmlns:p="http://schemas.openxmlformats.org/presentationml/2006/main">
   <p:cSld>
     <p:spTree>
@@ -31441,7 +34111,7 @@
 </p:sld>
 </file>
 
-<file path=ppt/slides/slide21.xml><?xml version="1.0" encoding="utf-8"?>
+<file path=ppt/slides/slide22.xml><?xml version="1.0" encoding="utf-8"?>
 <p:sld xmlns:a="http://schemas.openxmlformats.org/drawingml/2006/main" xmlns:r="http://schemas.openxmlformats.org/officeDocument/2006/relationships" xmlns:p="http://schemas.openxmlformats.org/presentationml/2006/main">
   <p:cSld>
     <p:spTree>
@@ -31489,7 +34159,7 @@
                 <a:latin typeface="Calibri"/>
               </a:rPr>
               <a:pPr defTabSz="342900" latinLnBrk="0"/>
-              <a:t>21</a:t>
+              <a:t>22</a:t>
             </a:fld>
             <a:endParaRPr lang="en-GB" dirty="0">
               <a:solidFill>
@@ -31812,7 +34482,7 @@
 </p:sld>
 </file>
 
-<file path=ppt/slides/slide22.xml><?xml version="1.0" encoding="utf-8"?>
+<file path=ppt/slides/slide23.xml><?xml version="1.0" encoding="utf-8"?>
 <p:sld xmlns:a="http://schemas.openxmlformats.org/drawingml/2006/main" xmlns:r="http://schemas.openxmlformats.org/officeDocument/2006/relationships" xmlns:p="http://schemas.openxmlformats.org/presentationml/2006/main">
   <p:cSld>
     <p:spTree>
@@ -31915,7 +34585,7 @@
                 <a:latin typeface="Calibri"/>
               </a:rPr>
               <a:pPr defTabSz="342900" latinLnBrk="0"/>
-              <a:t>22</a:t>
+              <a:t>23</a:t>
             </a:fld>
             <a:endParaRPr lang="en-GB" dirty="0">
               <a:solidFill>
@@ -32009,190 +34679,6 @@
           <a:xfrm>
             <a:off x="2055972" y="2445068"/>
             <a:ext cx="4656296" cy="2188369"/>
-          </a:xfrm>
-          <a:prstGeom prst="rect">
-            <a:avLst/>
-          </a:prstGeom>
-        </p:spPr>
-      </p:pic>
-    </p:spTree>
-  </p:cSld>
-  <p:clrMapOvr>
-    <a:masterClrMapping/>
-  </p:clrMapOvr>
-</p:sld>
-</file>
-
-<file path=ppt/slides/slide23.xml><?xml version="1.0" encoding="utf-8"?>
-<p:sld xmlns:a="http://schemas.openxmlformats.org/drawingml/2006/main" xmlns:r="http://schemas.openxmlformats.org/officeDocument/2006/relationships" xmlns:p="http://schemas.openxmlformats.org/presentationml/2006/main">
-  <p:cSld>
-    <p:spTree>
-      <p:nvGrpSpPr>
-        <p:cNvPr id="1" name=""/>
-        <p:cNvGrpSpPr/>
-        <p:nvPr/>
-      </p:nvGrpSpPr>
-      <p:grpSpPr>
-        <a:xfrm>
-          <a:off x="0" y="0"/>
-          <a:ext cx="0" cy="0"/>
-          <a:chOff x="0" y="0"/>
-          <a:chExt cx="0" cy="0"/>
-        </a:xfrm>
-      </p:grpSpPr>
-      <p:sp>
-        <p:nvSpPr>
-          <p:cNvPr id="3" name="Content Placeholder 2"/>
-          <p:cNvSpPr>
-            <a:spLocks noGrp="1"/>
-          </p:cNvSpPr>
-          <p:nvPr>
-            <p:ph idx="1"/>
-          </p:nvPr>
-        </p:nvSpPr>
-        <p:spPr>
-          <a:xfrm>
-            <a:off x="628650" y="1153477"/>
-            <a:ext cx="7886700" cy="3479483"/>
-          </a:xfrm>
-        </p:spPr>
-        <p:txBody>
-          <a:bodyPr/>
-          <a:lstStyle/>
-          <a:p>
-            <a:pPr marL="0" indent="0">
-              <a:buNone/>
-            </a:pPr>
-            <a:r>
-              <a:rPr lang="en-US" altLang="en-GB" dirty="0">
-                <a:latin typeface="Times New Roman" panose="02020603050405020304" pitchFamily="18" charset="0"/>
-                <a:cs typeface="Times New Roman" panose="02020603050405020304" pitchFamily="18" charset="0"/>
-              </a:rPr>
-              <a:t>Visualize the original data </a:t>
-            </a:r>
-          </a:p>
-        </p:txBody>
-      </p:sp>
-      <p:sp>
-        <p:nvSpPr>
-          <p:cNvPr id="4" name="Slide Number Placeholder 3"/>
-          <p:cNvSpPr>
-            <a:spLocks noGrp="1"/>
-          </p:cNvSpPr>
-          <p:nvPr>
-            <p:ph type="sldNum" sz="quarter" idx="12"/>
-          </p:nvPr>
-        </p:nvSpPr>
-        <p:spPr/>
-        <p:txBody>
-          <a:bodyPr/>
-          <a:lstStyle/>
-          <a:p>
-            <a:pPr defTabSz="342900" latinLnBrk="0"/>
-            <a:fld id="{506475BB-7A9F-4217-B5ED-DF9B470C378D}" type="slidenum">
-              <a:rPr lang="en-GB">
-                <a:solidFill>
-                  <a:prstClr val="black">
-                    <a:tint val="75000"/>
-                  </a:prstClr>
-                </a:solidFill>
-                <a:latin typeface="Calibri"/>
-              </a:rPr>
-              <a:pPr defTabSz="342900" latinLnBrk="0"/>
-              <a:t>23</a:t>
-            </a:fld>
-            <a:endParaRPr lang="en-GB" dirty="0">
-              <a:solidFill>
-                <a:prstClr val="black">
-                  <a:tint val="75000"/>
-                </a:prstClr>
-              </a:solidFill>
-              <a:latin typeface="Calibri"/>
-            </a:endParaRPr>
-          </a:p>
-        </p:txBody>
-      </p:sp>
-      <p:sp>
-        <p:nvSpPr>
-          <p:cNvPr id="6" name="Title 1"/>
-          <p:cNvSpPr>
-            <a:spLocks noGrp="1"/>
-          </p:cNvSpPr>
-          <p:nvPr/>
-        </p:nvSpPr>
-        <p:spPr>
-          <a:xfrm>
-            <a:off x="628650" y="323851"/>
-            <a:ext cx="7886700" cy="994172"/>
-          </a:xfrm>
-          <a:prstGeom prst="rect">
-            <a:avLst/>
-          </a:prstGeom>
-        </p:spPr>
-        <p:txBody>
-          <a:bodyPr vert="horz" lIns="68580" tIns="34290" rIns="68580" bIns="34290" rtlCol="0" anchor="ctr">
-            <a:normAutofit/>
-          </a:bodyPr>
-          <a:lstStyle>
-            <a:lvl1pPr algn="l" defTabSz="914400" rtl="0" eaLnBrk="1" latinLnBrk="0" hangingPunct="1">
-              <a:lnSpc>
-                <a:spcPct val="90000"/>
-              </a:lnSpc>
-              <a:spcBef>
-                <a:spcPct val="0"/>
-              </a:spcBef>
-              <a:buNone/>
-              <a:defRPr sz="4400" kern="1200">
-                <a:solidFill>
-                  <a:schemeClr val="tx1"/>
-                </a:solidFill>
-                <a:latin typeface="+mj-lt"/>
-                <a:ea typeface="+mj-ea"/>
-                <a:cs typeface="+mj-cs"/>
-              </a:defRPr>
-            </a:lvl1pPr>
-          </a:lstStyle>
-          <a:p>
-            <a:pPr defTabSz="685800"/>
-            <a:r>
-              <a:rPr lang="en-US" altLang="en-GB" sz="3300" b="1" dirty="0">
-                <a:solidFill>
-                  <a:prstClr val="black"/>
-                </a:solidFill>
-                <a:latin typeface="Times New Roman" panose="02020603050405020304" pitchFamily="18" charset="0"/>
-                <a:cs typeface="Times New Roman" panose="02020603050405020304" pitchFamily="18" charset="0"/>
-                <a:sym typeface="+mn-ea"/>
-              </a:rPr>
-              <a:t>Task 1</a:t>
-            </a:r>
-            <a:endParaRPr lang="en-US" altLang="en-GB" sz="3300" b="1" dirty="0">
-              <a:solidFill>
-                <a:prstClr val="black"/>
-              </a:solidFill>
-              <a:latin typeface="Times New Roman" panose="02020603050405020304" pitchFamily="18" charset="0"/>
-              <a:cs typeface="Times New Roman" panose="02020603050405020304" pitchFamily="18" charset="0"/>
-            </a:endParaRPr>
-          </a:p>
-        </p:txBody>
-      </p:sp>
-      <p:pic>
-        <p:nvPicPr>
-          <p:cNvPr id="7" name="Picture 6"/>
-          <p:cNvPicPr>
-            <a:picLocks noChangeAspect="1"/>
-          </p:cNvPicPr>
-          <p:nvPr/>
-        </p:nvPicPr>
-        <p:blipFill>
-          <a:blip r:embed="rId2"/>
-          <a:stretch>
-            <a:fillRect/>
-          </a:stretch>
-        </p:blipFill>
-        <p:spPr>
-          <a:xfrm>
-            <a:off x="732473" y="1631156"/>
-            <a:ext cx="7679531" cy="3078480"/>
           </a:xfrm>
           <a:prstGeom prst="rect">
             <a:avLst/>
@@ -32236,15 +34722,15 @@
         </p:nvSpPr>
         <p:spPr>
           <a:xfrm>
-            <a:off x="628650" y="1102519"/>
-            <a:ext cx="7886700" cy="3530441"/>
+            <a:off x="628650" y="1153477"/>
+            <a:ext cx="7886700" cy="3479483"/>
           </a:xfrm>
         </p:spPr>
         <p:txBody>
           <a:bodyPr/>
           <a:lstStyle/>
           <a:p>
-            <a:pPr marL="0">
+            <a:pPr marL="0" indent="0">
               <a:buNone/>
             </a:pPr>
             <a:r>
@@ -32252,7 +34738,7 @@
                 <a:latin typeface="Times New Roman" panose="02020603050405020304" pitchFamily="18" charset="0"/>
                 <a:cs typeface="Times New Roman" panose="02020603050405020304" pitchFamily="18" charset="0"/>
               </a:rPr>
-              <a:t>Design a filter in Matlab to remove the high frequency noise</a:t>
+              <a:t>Visualize the original data </a:t>
             </a:r>
           </a:p>
         </p:txBody>
@@ -32361,7 +34847,7 @@
       </p:sp>
       <p:pic>
         <p:nvPicPr>
-          <p:cNvPr id="5" name="Picture 4"/>
+          <p:cNvPr id="7" name="Picture 6"/>
           <p:cNvPicPr>
             <a:picLocks noChangeAspect="1"/>
           </p:cNvPicPr>
@@ -32375,8 +34861,8 @@
         </p:blipFill>
         <p:spPr>
           <a:xfrm>
-            <a:off x="998220" y="1489710"/>
-            <a:ext cx="7147560" cy="3287078"/>
+            <a:off x="732473" y="1631156"/>
+            <a:ext cx="7679531" cy="3078480"/>
           </a:xfrm>
           <a:prstGeom prst="rect">
             <a:avLst/>
@@ -32420,8 +34906,8 @@
         </p:nvSpPr>
         <p:spPr>
           <a:xfrm>
-            <a:off x="628650" y="1127284"/>
-            <a:ext cx="7886700" cy="3505676"/>
+            <a:off x="628650" y="1102519"/>
+            <a:ext cx="7886700" cy="3530441"/>
           </a:xfrm>
         </p:spPr>
         <p:txBody>
@@ -32436,32 +34922,8 @@
                 <a:latin typeface="Times New Roman" panose="02020603050405020304" pitchFamily="18" charset="0"/>
                 <a:cs typeface="Times New Roman" panose="02020603050405020304" pitchFamily="18" charset="0"/>
               </a:rPr>
-              <a:t>The Butterworth filter has a </a:t>
-            </a:r>
-            <a:r>
-              <a:rPr lang="en-US" altLang="en-GB" dirty="0">
-                <a:latin typeface="Times New Roman" panose="02020603050405020304" pitchFamily="18" charset="0"/>
-                <a:cs typeface="Times New Roman" panose="02020603050405020304" pitchFamily="18" charset="0"/>
-                <a:sym typeface="+mn-ea"/>
-              </a:rPr>
-              <a:t>notable feature </a:t>
-            </a:r>
-            <a:r>
-              <a:rPr lang="en-US" altLang="en-GB" dirty="0">
-                <a:latin typeface="Times New Roman" panose="02020603050405020304" pitchFamily="18" charset="0"/>
-                <a:cs typeface="Times New Roman" panose="02020603050405020304" pitchFamily="18" charset="0"/>
-              </a:rPr>
-              <a:t>for its "maximally flat magnitude response". </a:t>
-            </a:r>
-          </a:p>
-          <a:p>
-            <a:pPr marL="0" indent="342900">
-              <a:buNone/>
-            </a:pPr>
-            <a:endParaRPr lang="en-US" altLang="en-GB" dirty="0">
-              <a:latin typeface="Times New Roman" panose="02020603050405020304" pitchFamily="18" charset="0"/>
-              <a:cs typeface="Times New Roman" panose="02020603050405020304" pitchFamily="18" charset="0"/>
-            </a:endParaRPr>
+              <a:t>Design a filter in Matlab to remove the high frequency noise</a:t>
+            </a:r>
           </a:p>
         </p:txBody>
       </p:sp>
@@ -32492,6 +34954,214 @@
               </a:rPr>
               <a:pPr defTabSz="342900" latinLnBrk="0"/>
               <a:t>25</a:t>
+            </a:fld>
+            <a:endParaRPr lang="en-GB" dirty="0">
+              <a:solidFill>
+                <a:prstClr val="black">
+                  <a:tint val="75000"/>
+                </a:prstClr>
+              </a:solidFill>
+              <a:latin typeface="Calibri"/>
+            </a:endParaRPr>
+          </a:p>
+        </p:txBody>
+      </p:sp>
+      <p:sp>
+        <p:nvSpPr>
+          <p:cNvPr id="6" name="Title 1"/>
+          <p:cNvSpPr>
+            <a:spLocks noGrp="1"/>
+          </p:cNvSpPr>
+          <p:nvPr/>
+        </p:nvSpPr>
+        <p:spPr>
+          <a:xfrm>
+            <a:off x="628650" y="323851"/>
+            <a:ext cx="7886700" cy="994172"/>
+          </a:xfrm>
+          <a:prstGeom prst="rect">
+            <a:avLst/>
+          </a:prstGeom>
+        </p:spPr>
+        <p:txBody>
+          <a:bodyPr vert="horz" lIns="68580" tIns="34290" rIns="68580" bIns="34290" rtlCol="0" anchor="ctr">
+            <a:normAutofit/>
+          </a:bodyPr>
+          <a:lstStyle>
+            <a:lvl1pPr algn="l" defTabSz="914400" rtl="0" eaLnBrk="1" latinLnBrk="0" hangingPunct="1">
+              <a:lnSpc>
+                <a:spcPct val="90000"/>
+              </a:lnSpc>
+              <a:spcBef>
+                <a:spcPct val="0"/>
+              </a:spcBef>
+              <a:buNone/>
+              <a:defRPr sz="4400" kern="1200">
+                <a:solidFill>
+                  <a:schemeClr val="tx1"/>
+                </a:solidFill>
+                <a:latin typeface="+mj-lt"/>
+                <a:ea typeface="+mj-ea"/>
+                <a:cs typeface="+mj-cs"/>
+              </a:defRPr>
+            </a:lvl1pPr>
+          </a:lstStyle>
+          <a:p>
+            <a:pPr defTabSz="685800"/>
+            <a:r>
+              <a:rPr lang="en-US" altLang="en-GB" sz="3300" b="1" dirty="0">
+                <a:solidFill>
+                  <a:prstClr val="black"/>
+                </a:solidFill>
+                <a:latin typeface="Times New Roman" panose="02020603050405020304" pitchFamily="18" charset="0"/>
+                <a:cs typeface="Times New Roman" panose="02020603050405020304" pitchFamily="18" charset="0"/>
+                <a:sym typeface="+mn-ea"/>
+              </a:rPr>
+              <a:t>Task 1</a:t>
+            </a:r>
+            <a:endParaRPr lang="en-US" altLang="en-GB" sz="3300" b="1" dirty="0">
+              <a:solidFill>
+                <a:prstClr val="black"/>
+              </a:solidFill>
+              <a:latin typeface="Times New Roman" panose="02020603050405020304" pitchFamily="18" charset="0"/>
+              <a:cs typeface="Times New Roman" panose="02020603050405020304" pitchFamily="18" charset="0"/>
+            </a:endParaRPr>
+          </a:p>
+        </p:txBody>
+      </p:sp>
+      <p:pic>
+        <p:nvPicPr>
+          <p:cNvPr id="5" name="Picture 4"/>
+          <p:cNvPicPr>
+            <a:picLocks noChangeAspect="1"/>
+          </p:cNvPicPr>
+          <p:nvPr/>
+        </p:nvPicPr>
+        <p:blipFill>
+          <a:blip r:embed="rId2"/>
+          <a:stretch>
+            <a:fillRect/>
+          </a:stretch>
+        </p:blipFill>
+        <p:spPr>
+          <a:xfrm>
+            <a:off x="998220" y="1489710"/>
+            <a:ext cx="7147560" cy="3287078"/>
+          </a:xfrm>
+          <a:prstGeom prst="rect">
+            <a:avLst/>
+          </a:prstGeom>
+        </p:spPr>
+      </p:pic>
+    </p:spTree>
+  </p:cSld>
+  <p:clrMapOvr>
+    <a:masterClrMapping/>
+  </p:clrMapOvr>
+</p:sld>
+</file>
+
+<file path=ppt/slides/slide26.xml><?xml version="1.0" encoding="utf-8"?>
+<p:sld xmlns:a="http://schemas.openxmlformats.org/drawingml/2006/main" xmlns:r="http://schemas.openxmlformats.org/officeDocument/2006/relationships" xmlns:p="http://schemas.openxmlformats.org/presentationml/2006/main">
+  <p:cSld>
+    <p:spTree>
+      <p:nvGrpSpPr>
+        <p:cNvPr id="1" name=""/>
+        <p:cNvGrpSpPr/>
+        <p:nvPr/>
+      </p:nvGrpSpPr>
+      <p:grpSpPr>
+        <a:xfrm>
+          <a:off x="0" y="0"/>
+          <a:ext cx="0" cy="0"/>
+          <a:chOff x="0" y="0"/>
+          <a:chExt cx="0" cy="0"/>
+        </a:xfrm>
+      </p:grpSpPr>
+      <p:sp>
+        <p:nvSpPr>
+          <p:cNvPr id="3" name="Content Placeholder 2"/>
+          <p:cNvSpPr>
+            <a:spLocks noGrp="1"/>
+          </p:cNvSpPr>
+          <p:nvPr>
+            <p:ph idx="1"/>
+          </p:nvPr>
+        </p:nvSpPr>
+        <p:spPr>
+          <a:xfrm>
+            <a:off x="628650" y="1127284"/>
+            <a:ext cx="7886700" cy="3505676"/>
+          </a:xfrm>
+        </p:spPr>
+        <p:txBody>
+          <a:bodyPr/>
+          <a:lstStyle/>
+          <a:p>
+            <a:pPr marL="0">
+              <a:buNone/>
+            </a:pPr>
+            <a:r>
+              <a:rPr lang="en-US" altLang="en-GB" dirty="0">
+                <a:latin typeface="Times New Roman" panose="02020603050405020304" pitchFamily="18" charset="0"/>
+                <a:cs typeface="Times New Roman" panose="02020603050405020304" pitchFamily="18" charset="0"/>
+              </a:rPr>
+              <a:t>The Butterworth filter has a </a:t>
+            </a:r>
+            <a:r>
+              <a:rPr lang="en-US" altLang="en-GB" dirty="0">
+                <a:latin typeface="Times New Roman" panose="02020603050405020304" pitchFamily="18" charset="0"/>
+                <a:cs typeface="Times New Roman" panose="02020603050405020304" pitchFamily="18" charset="0"/>
+                <a:sym typeface="+mn-ea"/>
+              </a:rPr>
+              <a:t>notable feature </a:t>
+            </a:r>
+            <a:r>
+              <a:rPr lang="en-US" altLang="en-GB" dirty="0">
+                <a:latin typeface="Times New Roman" panose="02020603050405020304" pitchFamily="18" charset="0"/>
+                <a:cs typeface="Times New Roman" panose="02020603050405020304" pitchFamily="18" charset="0"/>
+              </a:rPr>
+              <a:t>for its "maximally flat magnitude response". </a:t>
+            </a:r>
+          </a:p>
+          <a:p>
+            <a:pPr marL="0" indent="342900">
+              <a:buNone/>
+            </a:pPr>
+            <a:endParaRPr lang="en-US" altLang="en-GB" dirty="0">
+              <a:latin typeface="Times New Roman" panose="02020603050405020304" pitchFamily="18" charset="0"/>
+              <a:cs typeface="Times New Roman" panose="02020603050405020304" pitchFamily="18" charset="0"/>
+            </a:endParaRPr>
+          </a:p>
+        </p:txBody>
+      </p:sp>
+      <p:sp>
+        <p:nvSpPr>
+          <p:cNvPr id="4" name="Slide Number Placeholder 3"/>
+          <p:cNvSpPr>
+            <a:spLocks noGrp="1"/>
+          </p:cNvSpPr>
+          <p:nvPr>
+            <p:ph type="sldNum" sz="quarter" idx="12"/>
+          </p:nvPr>
+        </p:nvSpPr>
+        <p:spPr/>
+        <p:txBody>
+          <a:bodyPr/>
+          <a:lstStyle/>
+          <a:p>
+            <a:pPr defTabSz="342900" latinLnBrk="0"/>
+            <a:fld id="{506475BB-7A9F-4217-B5ED-DF9B470C378D}" type="slidenum">
+              <a:rPr lang="en-GB">
+                <a:solidFill>
+                  <a:prstClr val="black">
+                    <a:tint val="75000"/>
+                  </a:prstClr>
+                </a:solidFill>
+                <a:latin typeface="Calibri"/>
+              </a:rPr>
+              <a:pPr defTabSz="342900" latinLnBrk="0"/>
+              <a:t>26</a:t>
             </a:fld>
             <a:endParaRPr lang="en-GB" dirty="0">
               <a:solidFill>
@@ -32697,7 +35367,7 @@
 </p:sld>
 </file>
 
-<file path=ppt/slides/slide26.xml><?xml version="1.0" encoding="utf-8"?>
+<file path=ppt/slides/slide27.xml><?xml version="1.0" encoding="utf-8"?>
 <p:sld xmlns:a="http://schemas.openxmlformats.org/drawingml/2006/main" xmlns:r="http://schemas.openxmlformats.org/officeDocument/2006/relationships" xmlns:p="http://schemas.openxmlformats.org/presentationml/2006/main">
   <p:cSld>
     <p:spTree>
@@ -32775,7 +35445,7 @@
                 <a:latin typeface="Calibri"/>
               </a:rPr>
               <a:pPr defTabSz="342900" latinLnBrk="0"/>
-              <a:t>26</a:t>
+              <a:t>27</a:t>
             </a:fld>
             <a:endParaRPr lang="en-GB" dirty="0">
               <a:solidFill>
@@ -32911,7 +35581,7 @@
 </p:sld>
 </file>
 
-<file path=ppt/slides/slide27.xml><?xml version="1.0" encoding="utf-8"?>
+<file path=ppt/slides/slide28.xml><?xml version="1.0" encoding="utf-8"?>
 <p:sld xmlns:a="http://schemas.openxmlformats.org/drawingml/2006/main" xmlns:r="http://schemas.openxmlformats.org/officeDocument/2006/relationships" xmlns:p="http://schemas.openxmlformats.org/presentationml/2006/main">
   <p:cSld>
     <p:spTree>
@@ -32954,7 +35624,7 @@
                 <a:latin typeface="Calibri"/>
               </a:rPr>
               <a:pPr defTabSz="342900" latinLnBrk="0"/>
-              <a:t>27</a:t>
+              <a:t>28</a:t>
             </a:fld>
             <a:endParaRPr lang="en-GB" dirty="0">
               <a:solidFill>
